--- a/01_ModelisationPiecesDeformables/Exercices_Application_02/images/Figures.pptx
+++ b/01_ModelisationPiecesDeformables/Exercices_Application_02/images/Figures.pptx
@@ -322,7 +322,7 @@
           <a:p>
             <a:fld id="{AA309A6D-C09C-4548-B29A-6CF363A7E532}" type="datetimeFigureOut">
               <a:rPr lang="fr-FR" smtClean="0"/>
-              <a:t>13/07/2016</a:t>
+              <a:t>14/07/2016</a:t>
             </a:fld>
             <a:endParaRPr lang="fr-BE"/>
           </a:p>
@@ -487,7 +487,7 @@
           <a:p>
             <a:fld id="{AA309A6D-C09C-4548-B29A-6CF363A7E532}" type="datetimeFigureOut">
               <a:rPr lang="fr-FR" smtClean="0"/>
-              <a:t>13/07/2016</a:t>
+              <a:t>14/07/2016</a:t>
             </a:fld>
             <a:endParaRPr lang="fr-BE"/>
           </a:p>
@@ -662,7 +662,7 @@
           <a:p>
             <a:fld id="{AA309A6D-C09C-4548-B29A-6CF363A7E532}" type="datetimeFigureOut">
               <a:rPr lang="fr-FR" smtClean="0"/>
-              <a:t>13/07/2016</a:t>
+              <a:t>14/07/2016</a:t>
             </a:fld>
             <a:endParaRPr lang="fr-BE"/>
           </a:p>
@@ -827,7 +827,7 @@
           <a:p>
             <a:fld id="{AA309A6D-C09C-4548-B29A-6CF363A7E532}" type="datetimeFigureOut">
               <a:rPr lang="fr-FR" smtClean="0"/>
-              <a:t>13/07/2016</a:t>
+              <a:t>14/07/2016</a:t>
             </a:fld>
             <a:endParaRPr lang="fr-BE"/>
           </a:p>
@@ -1068,7 +1068,7 @@
           <a:p>
             <a:fld id="{AA309A6D-C09C-4548-B29A-6CF363A7E532}" type="datetimeFigureOut">
               <a:rPr lang="fr-FR" smtClean="0"/>
-              <a:t>13/07/2016</a:t>
+              <a:t>14/07/2016</a:t>
             </a:fld>
             <a:endParaRPr lang="fr-BE"/>
           </a:p>
@@ -1351,7 +1351,7 @@
           <a:p>
             <a:fld id="{AA309A6D-C09C-4548-B29A-6CF363A7E532}" type="datetimeFigureOut">
               <a:rPr lang="fr-FR" smtClean="0"/>
-              <a:t>13/07/2016</a:t>
+              <a:t>14/07/2016</a:t>
             </a:fld>
             <a:endParaRPr lang="fr-BE"/>
           </a:p>
@@ -1768,7 +1768,7 @@
           <a:p>
             <a:fld id="{AA309A6D-C09C-4548-B29A-6CF363A7E532}" type="datetimeFigureOut">
               <a:rPr lang="fr-FR" smtClean="0"/>
-              <a:t>13/07/2016</a:t>
+              <a:t>14/07/2016</a:t>
             </a:fld>
             <a:endParaRPr lang="fr-BE"/>
           </a:p>
@@ -1881,7 +1881,7 @@
           <a:p>
             <a:fld id="{AA309A6D-C09C-4548-B29A-6CF363A7E532}" type="datetimeFigureOut">
               <a:rPr lang="fr-FR" smtClean="0"/>
-              <a:t>13/07/2016</a:t>
+              <a:t>14/07/2016</a:t>
             </a:fld>
             <a:endParaRPr lang="fr-BE"/>
           </a:p>
@@ -1971,7 +1971,7 @@
           <a:p>
             <a:fld id="{AA309A6D-C09C-4548-B29A-6CF363A7E532}" type="datetimeFigureOut">
               <a:rPr lang="fr-FR" smtClean="0"/>
-              <a:t>13/07/2016</a:t>
+              <a:t>14/07/2016</a:t>
             </a:fld>
             <a:endParaRPr lang="fr-BE"/>
           </a:p>
@@ -2243,7 +2243,7 @@
           <a:p>
             <a:fld id="{AA309A6D-C09C-4548-B29A-6CF363A7E532}" type="datetimeFigureOut">
               <a:rPr lang="fr-FR" smtClean="0"/>
-              <a:t>13/07/2016</a:t>
+              <a:t>14/07/2016</a:t>
             </a:fld>
             <a:endParaRPr lang="fr-BE"/>
           </a:p>
@@ -2491,7 +2491,7 @@
           <a:p>
             <a:fld id="{AA309A6D-C09C-4548-B29A-6CF363A7E532}" type="datetimeFigureOut">
               <a:rPr lang="fr-FR" smtClean="0"/>
-              <a:t>13/07/2016</a:t>
+              <a:t>14/07/2016</a:t>
             </a:fld>
             <a:endParaRPr lang="fr-BE"/>
           </a:p>
@@ -2699,7 +2699,7 @@
           <a:p>
             <a:fld id="{AA309A6D-C09C-4548-B29A-6CF363A7E532}" type="datetimeFigureOut">
               <a:rPr lang="fr-FR" smtClean="0"/>
-              <a:t>13/07/2016</a:t>
+              <a:t>14/07/2016</a:t>
             </a:fld>
             <a:endParaRPr lang="fr-BE"/>
           </a:p>
@@ -3071,6 +3071,290 @@
       </p:grpSpPr>
       <p:sp>
         <p:nvSpPr>
+          <p:cNvPr id="122" name="Ellipse 121"/>
+          <p:cNvSpPr/>
+          <p:nvPr/>
+        </p:nvSpPr>
+        <p:spPr>
+          <a:xfrm>
+            <a:off x="3248883" y="1697173"/>
+            <a:ext cx="144016" cy="144016"/>
+          </a:xfrm>
+          <a:prstGeom prst="ellipse">
+            <a:avLst/>
+          </a:prstGeom>
+          <a:solidFill>
+            <a:schemeClr val="accent5">
+              <a:lumMod val="20000"/>
+              <a:lumOff val="80000"/>
+            </a:schemeClr>
+          </a:solidFill>
+          <a:ln w="12700">
+            <a:solidFill>
+              <a:schemeClr val="accent5">
+                <a:lumMod val="50000"/>
+              </a:schemeClr>
+            </a:solidFill>
+            <a:prstDash val="sysDash"/>
+          </a:ln>
+        </p:spPr>
+        <p:style>
+          <a:lnRef idx="2">
+            <a:schemeClr val="accent1">
+              <a:shade val="50000"/>
+            </a:schemeClr>
+          </a:lnRef>
+          <a:fillRef idx="1">
+            <a:schemeClr val="accent1"/>
+          </a:fillRef>
+          <a:effectRef idx="0">
+            <a:schemeClr val="accent1"/>
+          </a:effectRef>
+          <a:fontRef idx="minor">
+            <a:schemeClr val="lt1"/>
+          </a:fontRef>
+        </p:style>
+        <p:txBody>
+          <a:bodyPr rtlCol="0" anchor="ctr"/>
+          <a:lstStyle/>
+          <a:p>
+            <a:pPr algn="ctr"/>
+            <a:endParaRPr lang="fr-FR"/>
+          </a:p>
+        </p:txBody>
+      </p:sp>
+      <p:sp>
+        <p:nvSpPr>
+          <p:cNvPr id="41" name="Forme libre 40"/>
+          <p:cNvSpPr/>
+          <p:nvPr/>
+        </p:nvSpPr>
+        <p:spPr>
+          <a:xfrm>
+            <a:off x="770128" y="2731083"/>
+            <a:ext cx="1137576" cy="152670"/>
+          </a:xfrm>
+          <a:custGeom>
+            <a:avLst/>
+            <a:gdLst>
+              <a:gd name="connsiteX0" fmla="*/ 0 w 729276"/>
+              <a:gd name="connsiteY0" fmla="*/ 0 h 152951"/>
+              <a:gd name="connsiteX1" fmla="*/ 168294 w 729276"/>
+              <a:gd name="connsiteY1" fmla="*/ 134635 h 152951"/>
+              <a:gd name="connsiteX2" fmla="*/ 381467 w 729276"/>
+              <a:gd name="connsiteY2" fmla="*/ 84147 h 152951"/>
+              <a:gd name="connsiteX3" fmla="*/ 594640 w 729276"/>
+              <a:gd name="connsiteY3" fmla="*/ 151465 h 152951"/>
+              <a:gd name="connsiteX4" fmla="*/ 729276 w 729276"/>
+              <a:gd name="connsiteY4" fmla="*/ 5610 h 152951"/>
+              <a:gd name="connsiteX0" fmla="*/ 0 w 732876"/>
+              <a:gd name="connsiteY0" fmla="*/ 7459 h 160523"/>
+              <a:gd name="connsiteX1" fmla="*/ 168294 w 732876"/>
+              <a:gd name="connsiteY1" fmla="*/ 142094 h 160523"/>
+              <a:gd name="connsiteX2" fmla="*/ 381467 w 732876"/>
+              <a:gd name="connsiteY2" fmla="*/ 91606 h 160523"/>
+              <a:gd name="connsiteX3" fmla="*/ 594640 w 732876"/>
+              <a:gd name="connsiteY3" fmla="*/ 158924 h 160523"/>
+              <a:gd name="connsiteX4" fmla="*/ 719996 w 732876"/>
+              <a:gd name="connsiteY4" fmla="*/ 9693 h 160523"/>
+              <a:gd name="connsiteX5" fmla="*/ 729276 w 732876"/>
+              <a:gd name="connsiteY5" fmla="*/ 13069 h 160523"/>
+              <a:gd name="connsiteX0" fmla="*/ 0 w 732876"/>
+              <a:gd name="connsiteY0" fmla="*/ 7459 h 144116"/>
+              <a:gd name="connsiteX1" fmla="*/ 168294 w 732876"/>
+              <a:gd name="connsiteY1" fmla="*/ 142094 h 144116"/>
+              <a:gd name="connsiteX2" fmla="*/ 381467 w 732876"/>
+              <a:gd name="connsiteY2" fmla="*/ 91606 h 144116"/>
+              <a:gd name="connsiteX3" fmla="*/ 589488 w 732876"/>
+              <a:gd name="connsiteY3" fmla="*/ 135742 h 144116"/>
+              <a:gd name="connsiteX4" fmla="*/ 719996 w 732876"/>
+              <a:gd name="connsiteY4" fmla="*/ 9693 h 144116"/>
+              <a:gd name="connsiteX5" fmla="*/ 729276 w 732876"/>
+              <a:gd name="connsiteY5" fmla="*/ 13069 h 144116"/>
+              <a:gd name="connsiteX0" fmla="*/ 0 w 731506"/>
+              <a:gd name="connsiteY0" fmla="*/ 0 h 136657"/>
+              <a:gd name="connsiteX1" fmla="*/ 168294 w 731506"/>
+              <a:gd name="connsiteY1" fmla="*/ 134635 h 136657"/>
+              <a:gd name="connsiteX2" fmla="*/ 381467 w 731506"/>
+              <a:gd name="connsiteY2" fmla="*/ 84147 h 136657"/>
+              <a:gd name="connsiteX3" fmla="*/ 589488 w 731506"/>
+              <a:gd name="connsiteY3" fmla="*/ 128283 h 136657"/>
+              <a:gd name="connsiteX4" fmla="*/ 717420 w 731506"/>
+              <a:gd name="connsiteY4" fmla="*/ 35719 h 136657"/>
+              <a:gd name="connsiteX5" fmla="*/ 729276 w 731506"/>
+              <a:gd name="connsiteY5" fmla="*/ 5610 h 136657"/>
+              <a:gd name="connsiteX0" fmla="*/ 0 w 729276"/>
+              <a:gd name="connsiteY0" fmla="*/ 0 h 136657"/>
+              <a:gd name="connsiteX1" fmla="*/ 168294 w 729276"/>
+              <a:gd name="connsiteY1" fmla="*/ 134635 h 136657"/>
+              <a:gd name="connsiteX2" fmla="*/ 381467 w 729276"/>
+              <a:gd name="connsiteY2" fmla="*/ 84147 h 136657"/>
+              <a:gd name="connsiteX3" fmla="*/ 589488 w 729276"/>
+              <a:gd name="connsiteY3" fmla="*/ 128283 h 136657"/>
+              <a:gd name="connsiteX4" fmla="*/ 631695 w 729276"/>
+              <a:gd name="connsiteY4" fmla="*/ 59532 h 136657"/>
+              <a:gd name="connsiteX5" fmla="*/ 729276 w 729276"/>
+              <a:gd name="connsiteY5" fmla="*/ 5610 h 136657"/>
+              <a:gd name="connsiteX0" fmla="*/ 0 w 729276"/>
+              <a:gd name="connsiteY0" fmla="*/ 0 h 136657"/>
+              <a:gd name="connsiteX1" fmla="*/ 168294 w 729276"/>
+              <a:gd name="connsiteY1" fmla="*/ 134635 h 136657"/>
+              <a:gd name="connsiteX2" fmla="*/ 381467 w 729276"/>
+              <a:gd name="connsiteY2" fmla="*/ 84147 h 136657"/>
+              <a:gd name="connsiteX3" fmla="*/ 589488 w 729276"/>
+              <a:gd name="connsiteY3" fmla="*/ 128283 h 136657"/>
+              <a:gd name="connsiteX4" fmla="*/ 729276 w 729276"/>
+              <a:gd name="connsiteY4" fmla="*/ 5610 h 136657"/>
+              <a:gd name="connsiteX0" fmla="*/ 0 w 729276"/>
+              <a:gd name="connsiteY0" fmla="*/ 0 h 136657"/>
+              <a:gd name="connsiteX1" fmla="*/ 168294 w 729276"/>
+              <a:gd name="connsiteY1" fmla="*/ 134635 h 136657"/>
+              <a:gd name="connsiteX2" fmla="*/ 381467 w 729276"/>
+              <a:gd name="connsiteY2" fmla="*/ 84147 h 136657"/>
+              <a:gd name="connsiteX3" fmla="*/ 589488 w 729276"/>
+              <a:gd name="connsiteY3" fmla="*/ 128283 h 136657"/>
+              <a:gd name="connsiteX4" fmla="*/ 729276 w 729276"/>
+              <a:gd name="connsiteY4" fmla="*/ 5610 h 136657"/>
+              <a:gd name="connsiteX0" fmla="*/ 0 w 729276"/>
+              <a:gd name="connsiteY0" fmla="*/ 0 h 141857"/>
+              <a:gd name="connsiteX1" fmla="*/ 168294 w 729276"/>
+              <a:gd name="connsiteY1" fmla="*/ 134635 h 141857"/>
+              <a:gd name="connsiteX2" fmla="*/ 381467 w 729276"/>
+              <a:gd name="connsiteY2" fmla="*/ 84147 h 141857"/>
+              <a:gd name="connsiteX3" fmla="*/ 577581 w 729276"/>
+              <a:gd name="connsiteY3" fmla="*/ 140189 h 141857"/>
+              <a:gd name="connsiteX4" fmla="*/ 729276 w 729276"/>
+              <a:gd name="connsiteY4" fmla="*/ 5610 h 141857"/>
+              <a:gd name="connsiteX0" fmla="*/ 0 w 729276"/>
+              <a:gd name="connsiteY0" fmla="*/ 0 h 140596"/>
+              <a:gd name="connsiteX1" fmla="*/ 168294 w 729276"/>
+              <a:gd name="connsiteY1" fmla="*/ 134635 h 140596"/>
+              <a:gd name="connsiteX2" fmla="*/ 381467 w 729276"/>
+              <a:gd name="connsiteY2" fmla="*/ 84147 h 140596"/>
+              <a:gd name="connsiteX3" fmla="*/ 577581 w 729276"/>
+              <a:gd name="connsiteY3" fmla="*/ 140189 h 140596"/>
+              <a:gd name="connsiteX4" fmla="*/ 729276 w 729276"/>
+              <a:gd name="connsiteY4" fmla="*/ 5610 h 140596"/>
+            </a:gdLst>
+            <a:ahLst/>
+            <a:cxnLst>
+              <a:cxn ang="0">
+                <a:pos x="connsiteX0" y="connsiteY0"/>
+              </a:cxn>
+              <a:cxn ang="0">
+                <a:pos x="connsiteX1" y="connsiteY1"/>
+              </a:cxn>
+              <a:cxn ang="0">
+                <a:pos x="connsiteX2" y="connsiteY2"/>
+              </a:cxn>
+              <a:cxn ang="0">
+                <a:pos x="connsiteX3" y="connsiteY3"/>
+              </a:cxn>
+              <a:cxn ang="0">
+                <a:pos x="connsiteX4" y="connsiteY4"/>
+              </a:cxn>
+            </a:cxnLst>
+            <a:rect l="l" t="t" r="r" b="b"/>
+            <a:pathLst>
+              <a:path w="729276" h="140596">
+                <a:moveTo>
+                  <a:pt x="0" y="0"/>
+                </a:moveTo>
+                <a:cubicBezTo>
+                  <a:pt x="52358" y="60305"/>
+                  <a:pt x="104716" y="120611"/>
+                  <a:pt x="168294" y="134635"/>
+                </a:cubicBezTo>
+                <a:cubicBezTo>
+                  <a:pt x="231872" y="148659"/>
+                  <a:pt x="313253" y="83221"/>
+                  <a:pt x="381467" y="84147"/>
+                </a:cubicBezTo>
+                <a:cubicBezTo>
+                  <a:pt x="449681" y="85073"/>
+                  <a:pt x="526757" y="146134"/>
+                  <a:pt x="577581" y="140189"/>
+                </a:cubicBezTo>
+                <a:cubicBezTo>
+                  <a:pt x="628405" y="134244"/>
+                  <a:pt x="673961" y="78792"/>
+                  <a:pt x="729276" y="5610"/>
+                </a:cubicBezTo>
+              </a:path>
+            </a:pathLst>
+          </a:custGeom>
+          <a:solidFill>
+            <a:schemeClr val="bg1">
+              <a:lumMod val="95000"/>
+            </a:schemeClr>
+          </a:solidFill>
+          <a:ln w="12700">
+            <a:solidFill>
+              <a:schemeClr val="tx1"/>
+            </a:solidFill>
+          </a:ln>
+        </p:spPr>
+        <p:style>
+          <a:lnRef idx="1">
+            <a:schemeClr val="accent1"/>
+          </a:lnRef>
+          <a:fillRef idx="0">
+            <a:schemeClr val="accent1"/>
+          </a:fillRef>
+          <a:effectRef idx="0">
+            <a:schemeClr val="accent1"/>
+          </a:effectRef>
+          <a:fontRef idx="minor">
+            <a:schemeClr val="tx1"/>
+          </a:fontRef>
+        </p:style>
+        <p:txBody>
+          <a:bodyPr rtlCol="0" anchor="ctr"/>
+          <a:lstStyle/>
+          <a:p>
+            <a:pPr algn="ctr"/>
+            <a:endParaRPr lang="fr-FR"/>
+          </a:p>
+        </p:txBody>
+      </p:sp>
+      <p:cxnSp>
+        <p:nvCxnSpPr>
+          <p:cNvPr id="78" name="Connecteur droit avec flèche 77"/>
+          <p:cNvCxnSpPr/>
+          <p:nvPr/>
+        </p:nvCxnSpPr>
+        <p:spPr>
+          <a:xfrm flipV="1">
+            <a:off x="1331591" y="908720"/>
+            <a:ext cx="0" cy="1872208"/>
+          </a:xfrm>
+          <a:prstGeom prst="straightConnector1">
+            <a:avLst/>
+          </a:prstGeom>
+          <a:ln>
+            <a:solidFill>
+              <a:schemeClr val="tx1"/>
+            </a:solidFill>
+            <a:tailEnd type="stealth" w="med" len="lg"/>
+          </a:ln>
+        </p:spPr>
+        <p:style>
+          <a:lnRef idx="1">
+            <a:schemeClr val="accent1"/>
+          </a:lnRef>
+          <a:fillRef idx="0">
+            <a:schemeClr val="accent1"/>
+          </a:fillRef>
+          <a:effectRef idx="0">
+            <a:schemeClr val="accent1"/>
+          </a:effectRef>
+          <a:fontRef idx="minor">
+            <a:schemeClr val="tx1"/>
+          </a:fontRef>
+        </p:style>
+      </p:cxnSp>
+      <p:sp>
+        <p:nvSpPr>
           <p:cNvPr id="4" name="Ellipse 3"/>
           <p:cNvSpPr/>
           <p:nvPr/>
@@ -4569,19 +4853,19 @@
       </p:cxnSp>
       <p:cxnSp>
         <p:nvCxnSpPr>
-          <p:cNvPr id="78" name="Connecteur droit avec flèche 77"/>
+          <p:cNvPr id="35" name="Connecteur droit avec flèche 34"/>
           <p:cNvCxnSpPr/>
           <p:nvPr/>
         </p:nvCxnSpPr>
         <p:spPr>
-          <a:xfrm flipV="1">
-            <a:off x="1331591" y="1340768"/>
-            <a:ext cx="0" cy="1440160"/>
+          <a:xfrm>
+            <a:off x="1333798" y="1196753"/>
+            <a:ext cx="0" cy="375634"/>
           </a:xfrm>
           <a:prstGeom prst="straightConnector1">
             <a:avLst/>
           </a:prstGeom>
-          <a:ln>
+          <a:ln w="38100">
             <a:solidFill>
               <a:srgbClr val="C00000"/>
             </a:solidFill>
@@ -4603,6 +4887,2848 @@
           </a:fontRef>
         </p:style>
       </p:cxnSp>
+      <p:cxnSp>
+        <p:nvCxnSpPr>
+          <p:cNvPr id="39" name="Connecteur droit 38"/>
+          <p:cNvCxnSpPr/>
+          <p:nvPr/>
+        </p:nvCxnSpPr>
+        <p:spPr>
+          <a:xfrm>
+            <a:off x="743174" y="2725440"/>
+            <a:ext cx="1236538" cy="0"/>
+          </a:xfrm>
+          <a:prstGeom prst="line">
+            <a:avLst/>
+          </a:prstGeom>
+          <a:solidFill>
+            <a:schemeClr val="accent5">
+              <a:lumMod val="20000"/>
+              <a:lumOff val="80000"/>
+            </a:schemeClr>
+          </a:solidFill>
+          <a:ln>
+            <a:solidFill>
+              <a:schemeClr val="tx1"/>
+            </a:solidFill>
+          </a:ln>
+        </p:spPr>
+        <p:style>
+          <a:lnRef idx="2">
+            <a:schemeClr val="accent1">
+              <a:shade val="50000"/>
+            </a:schemeClr>
+          </a:lnRef>
+          <a:fillRef idx="1">
+            <a:schemeClr val="accent1"/>
+          </a:fillRef>
+          <a:effectRef idx="0">
+            <a:schemeClr val="accent1"/>
+          </a:effectRef>
+          <a:fontRef idx="minor">
+            <a:schemeClr val="lt1"/>
+          </a:fontRef>
+        </p:style>
+      </p:cxnSp>
+      <p:sp>
+        <p:nvSpPr>
+          <p:cNvPr id="42" name="Ellipse 41"/>
+          <p:cNvSpPr/>
+          <p:nvPr/>
+        </p:nvSpPr>
+        <p:spPr>
+          <a:xfrm>
+            <a:off x="2411760" y="1864340"/>
+            <a:ext cx="144016" cy="144016"/>
+          </a:xfrm>
+          <a:prstGeom prst="ellipse">
+            <a:avLst/>
+          </a:prstGeom>
+          <a:solidFill>
+            <a:schemeClr val="accent5">
+              <a:lumMod val="20000"/>
+              <a:lumOff val="80000"/>
+            </a:schemeClr>
+          </a:solidFill>
+          <a:ln>
+            <a:solidFill>
+              <a:schemeClr val="accent5">
+                <a:lumMod val="50000"/>
+              </a:schemeClr>
+            </a:solidFill>
+          </a:ln>
+        </p:spPr>
+        <p:style>
+          <a:lnRef idx="2">
+            <a:schemeClr val="accent1">
+              <a:shade val="50000"/>
+            </a:schemeClr>
+          </a:lnRef>
+          <a:fillRef idx="1">
+            <a:schemeClr val="accent1"/>
+          </a:fillRef>
+          <a:effectRef idx="0">
+            <a:schemeClr val="accent1"/>
+          </a:effectRef>
+          <a:fontRef idx="minor">
+            <a:schemeClr val="lt1"/>
+          </a:fontRef>
+        </p:style>
+        <p:txBody>
+          <a:bodyPr rtlCol="0" anchor="ctr"/>
+          <a:lstStyle/>
+          <a:p>
+            <a:pPr algn="ctr"/>
+            <a:endParaRPr lang="fr-FR"/>
+          </a:p>
+        </p:txBody>
+      </p:sp>
+      <p:cxnSp>
+        <p:nvCxnSpPr>
+          <p:cNvPr id="45" name="Connecteur droit 44"/>
+          <p:cNvCxnSpPr>
+            <a:stCxn id="42" idx="0"/>
+          </p:cNvCxnSpPr>
+          <p:nvPr/>
+        </p:nvCxnSpPr>
+        <p:spPr>
+          <a:xfrm flipV="1">
+            <a:off x="2483768" y="1785061"/>
+            <a:ext cx="402569" cy="79279"/>
+          </a:xfrm>
+          <a:prstGeom prst="line">
+            <a:avLst/>
+          </a:prstGeom>
+          <a:solidFill>
+            <a:schemeClr val="accent5">
+              <a:lumMod val="20000"/>
+              <a:lumOff val="80000"/>
+            </a:schemeClr>
+          </a:solidFill>
+          <a:ln>
+            <a:solidFill>
+              <a:schemeClr val="accent5">
+                <a:lumMod val="50000"/>
+              </a:schemeClr>
+            </a:solidFill>
+          </a:ln>
+        </p:spPr>
+        <p:style>
+          <a:lnRef idx="2">
+            <a:schemeClr val="accent1">
+              <a:shade val="50000"/>
+            </a:schemeClr>
+          </a:lnRef>
+          <a:fillRef idx="1">
+            <a:schemeClr val="accent1"/>
+          </a:fillRef>
+          <a:effectRef idx="0">
+            <a:schemeClr val="accent1"/>
+          </a:effectRef>
+          <a:fontRef idx="minor">
+            <a:schemeClr val="lt1"/>
+          </a:fontRef>
+        </p:style>
+      </p:cxnSp>
+      <p:cxnSp>
+        <p:nvCxnSpPr>
+          <p:cNvPr id="47" name="Connecteur droit 46"/>
+          <p:cNvCxnSpPr/>
+          <p:nvPr/>
+        </p:nvCxnSpPr>
+        <p:spPr>
+          <a:xfrm rot="16200000" flipV="1">
+            <a:off x="2544670" y="1788038"/>
+            <a:ext cx="719983" cy="141789"/>
+          </a:xfrm>
+          <a:prstGeom prst="line">
+            <a:avLst/>
+          </a:prstGeom>
+          <a:solidFill>
+            <a:schemeClr val="accent5">
+              <a:lumMod val="20000"/>
+              <a:lumOff val="80000"/>
+            </a:schemeClr>
+          </a:solidFill>
+          <a:ln w="12700">
+            <a:solidFill>
+              <a:schemeClr val="accent5">
+                <a:lumMod val="50000"/>
+              </a:schemeClr>
+            </a:solidFill>
+            <a:prstDash val="lgDashDot"/>
+          </a:ln>
+        </p:spPr>
+        <p:style>
+          <a:lnRef idx="2">
+            <a:schemeClr val="accent1">
+              <a:shade val="50000"/>
+            </a:schemeClr>
+          </a:lnRef>
+          <a:fillRef idx="1">
+            <a:schemeClr val="accent1"/>
+          </a:fillRef>
+          <a:effectRef idx="0">
+            <a:schemeClr val="accent1"/>
+          </a:effectRef>
+          <a:fontRef idx="minor">
+            <a:schemeClr val="lt1"/>
+          </a:fontRef>
+        </p:style>
+      </p:cxnSp>
+      <p:cxnSp>
+        <p:nvCxnSpPr>
+          <p:cNvPr id="51" name="Connecteur droit 50"/>
+          <p:cNvCxnSpPr/>
+          <p:nvPr/>
+        </p:nvCxnSpPr>
+        <p:spPr>
+          <a:xfrm flipV="1">
+            <a:off x="2843759" y="1722551"/>
+            <a:ext cx="719983" cy="141789"/>
+          </a:xfrm>
+          <a:prstGeom prst="line">
+            <a:avLst/>
+          </a:prstGeom>
+          <a:ln>
+            <a:solidFill>
+              <a:schemeClr val="tx1"/>
+            </a:solidFill>
+            <a:tailEnd type="stealth" w="med" len="lg"/>
+          </a:ln>
+        </p:spPr>
+        <p:style>
+          <a:lnRef idx="1">
+            <a:schemeClr val="accent1"/>
+          </a:lnRef>
+          <a:fillRef idx="0">
+            <a:schemeClr val="accent1"/>
+          </a:fillRef>
+          <a:effectRef idx="0">
+            <a:schemeClr val="accent1"/>
+          </a:effectRef>
+          <a:fontRef idx="minor">
+            <a:schemeClr val="tx1"/>
+          </a:fontRef>
+        </p:style>
+      </p:cxnSp>
+      <mc:AlternateContent xmlns:mc="http://schemas.openxmlformats.org/markup-compatibility/2006">
+        <mc:Choice xmlns:a14="http://schemas.microsoft.com/office/drawing/2010/main" Requires="a14">
+          <p:sp>
+            <p:nvSpPr>
+              <p:cNvPr id="26" name="ZoneTexte 25"/>
+              <p:cNvSpPr txBox="1"/>
+              <p:nvPr/>
+            </p:nvSpPr>
+            <p:spPr>
+              <a:xfrm>
+                <a:off x="3560436" y="1632345"/>
+                <a:ext cx="178767" cy="184666"/>
+              </a:xfrm>
+              <a:prstGeom prst="rect">
+                <a:avLst/>
+              </a:prstGeom>
+              <a:noFill/>
+            </p:spPr>
+            <p:txBody>
+              <a:bodyPr wrap="none" lIns="0" tIns="0" rIns="0" bIns="0" rtlCol="0">
+                <a:spAutoFit/>
+              </a:bodyPr>
+              <a:lstStyle/>
+              <a:p>
+                <a14:m>
+                  <m:oMathPara xmlns:m="http://schemas.openxmlformats.org/officeDocument/2006/math">
+                    <m:oMathParaPr>
+                      <m:jc m:val="centerGroup"/>
+                    </m:oMathParaPr>
+                    <m:oMath xmlns:m="http://schemas.openxmlformats.org/officeDocument/2006/math">
+                      <m:acc>
+                        <m:accPr>
+                          <m:chr m:val="⃗"/>
+                          <m:ctrlPr>
+                            <a:rPr lang="fr-FR" sz="1200" i="1" smtClean="0">
+                              <a:latin typeface="Cambria Math" panose="02040503050406030204" pitchFamily="18" charset="0"/>
+                            </a:rPr>
+                          </m:ctrlPr>
+                        </m:accPr>
+                        <m:e>
+                          <m:sSub>
+                            <m:sSubPr>
+                              <m:ctrlPr>
+                                <a:rPr lang="fr-FR" sz="1200" b="0" i="1" smtClean="0">
+                                  <a:latin typeface="Cambria Math" panose="02040503050406030204" pitchFamily="18" charset="0"/>
+                                </a:rPr>
+                              </m:ctrlPr>
+                            </m:sSubPr>
+                            <m:e>
+                              <m:r>
+                                <a:rPr lang="fr-FR" sz="1200" b="0" i="1" smtClean="0">
+                                  <a:latin typeface="Cambria Math" panose="02040503050406030204" pitchFamily="18" charset="0"/>
+                                </a:rPr>
+                                <m:t>𝑥</m:t>
+                              </m:r>
+                            </m:e>
+                            <m:sub>
+                              <m:r>
+                                <a:rPr lang="fr-FR" sz="1200" b="0" i="1" smtClean="0">
+                                  <a:latin typeface="Cambria Math" panose="02040503050406030204" pitchFamily="18" charset="0"/>
+                                </a:rPr>
+                                <m:t>𝑠</m:t>
+                              </m:r>
+                            </m:sub>
+                          </m:sSub>
+                        </m:e>
+                      </m:acc>
+                    </m:oMath>
+                  </m:oMathPara>
+                </a14:m>
+                <a:endParaRPr lang="fr-FR" sz="1200" dirty="0"/>
+              </a:p>
+            </p:txBody>
+          </p:sp>
+        </mc:Choice>
+        <mc:Fallback>
+          <p:sp>
+            <p:nvSpPr>
+              <p:cNvPr id="26" name="ZoneTexte 25"/>
+              <p:cNvSpPr txBox="1">
+                <a:spLocks noRot="1" noChangeAspect="1" noMove="1" noResize="1" noEditPoints="1" noAdjustHandles="1" noChangeArrowheads="1" noChangeShapeType="1" noTextEdit="1"/>
+              </p:cNvSpPr>
+              <p:nvPr/>
+            </p:nvSpPr>
+            <p:spPr>
+              <a:xfrm>
+                <a:off x="3560436" y="1632345"/>
+                <a:ext cx="178767" cy="184666"/>
+              </a:xfrm>
+              <a:prstGeom prst="rect">
+                <a:avLst/>
+              </a:prstGeom>
+              <a:blipFill>
+                <a:blip r:embed="rId2"/>
+                <a:stretch>
+                  <a:fillRect l="-10345" r="-3448" b="-10000"/>
+                </a:stretch>
+              </a:blipFill>
+            </p:spPr>
+            <p:txBody>
+              <a:bodyPr/>
+              <a:lstStyle/>
+              <a:p>
+                <a:r>
+                  <a:rPr lang="fr-FR">
+                    <a:noFill/>
+                  </a:rPr>
+                  <a:t> </a:t>
+                </a:r>
+              </a:p>
+            </p:txBody>
+          </p:sp>
+        </mc:Fallback>
+      </mc:AlternateContent>
+      <p:cxnSp>
+        <p:nvCxnSpPr>
+          <p:cNvPr id="59" name="Connecteur droit 58"/>
+          <p:cNvCxnSpPr>
+            <a:stCxn id="42" idx="4"/>
+          </p:cNvCxnSpPr>
+          <p:nvPr/>
+        </p:nvCxnSpPr>
+        <p:spPr>
+          <a:xfrm flipV="1">
+            <a:off x="2483768" y="1922088"/>
+            <a:ext cx="432798" cy="86268"/>
+          </a:xfrm>
+          <a:prstGeom prst="line">
+            <a:avLst/>
+          </a:prstGeom>
+          <a:solidFill>
+            <a:schemeClr val="accent5">
+              <a:lumMod val="20000"/>
+              <a:lumOff val="80000"/>
+            </a:schemeClr>
+          </a:solidFill>
+          <a:ln>
+            <a:solidFill>
+              <a:schemeClr val="accent5">
+                <a:lumMod val="50000"/>
+              </a:schemeClr>
+            </a:solidFill>
+          </a:ln>
+        </p:spPr>
+        <p:style>
+          <a:lnRef idx="2">
+            <a:schemeClr val="accent1">
+              <a:shade val="50000"/>
+            </a:schemeClr>
+          </a:lnRef>
+          <a:fillRef idx="1">
+            <a:schemeClr val="accent1"/>
+          </a:fillRef>
+          <a:effectRef idx="0">
+            <a:schemeClr val="accent1"/>
+          </a:effectRef>
+          <a:fontRef idx="minor">
+            <a:schemeClr val="lt1"/>
+          </a:fontRef>
+        </p:style>
+      </p:cxnSp>
+      <p:cxnSp>
+        <p:nvCxnSpPr>
+          <p:cNvPr id="60" name="Connecteur droit 59"/>
+          <p:cNvCxnSpPr/>
+          <p:nvPr/>
+        </p:nvCxnSpPr>
+        <p:spPr>
+          <a:xfrm rot="16200000" flipV="1">
+            <a:off x="2485680" y="1483836"/>
+            <a:ext cx="719983" cy="141789"/>
+          </a:xfrm>
+          <a:prstGeom prst="line">
+            <a:avLst/>
+          </a:prstGeom>
+          <a:ln>
+            <a:solidFill>
+              <a:schemeClr val="tx1"/>
+            </a:solidFill>
+            <a:tailEnd type="stealth" w="med" len="lg"/>
+          </a:ln>
+        </p:spPr>
+        <p:style>
+          <a:lnRef idx="1">
+            <a:schemeClr val="accent1"/>
+          </a:lnRef>
+          <a:fillRef idx="0">
+            <a:schemeClr val="accent1"/>
+          </a:fillRef>
+          <a:effectRef idx="0">
+            <a:schemeClr val="accent1"/>
+          </a:effectRef>
+          <a:fontRef idx="minor">
+            <a:schemeClr val="tx1"/>
+          </a:fontRef>
+        </p:style>
+      </p:cxnSp>
+      <mc:AlternateContent xmlns:mc="http://schemas.openxmlformats.org/markup-compatibility/2006">
+        <mc:Choice xmlns:a14="http://schemas.microsoft.com/office/drawing/2010/main" Requires="a14">
+          <p:sp>
+            <p:nvSpPr>
+              <p:cNvPr id="61" name="ZoneTexte 60"/>
+              <p:cNvSpPr txBox="1"/>
+              <p:nvPr/>
+            </p:nvSpPr>
+            <p:spPr>
+              <a:xfrm>
+                <a:off x="2833767" y="1079145"/>
+                <a:ext cx="171522" cy="184666"/>
+              </a:xfrm>
+              <a:prstGeom prst="rect">
+                <a:avLst/>
+              </a:prstGeom>
+              <a:noFill/>
+            </p:spPr>
+            <p:txBody>
+              <a:bodyPr wrap="none" lIns="0" tIns="0" rIns="0" bIns="0" rtlCol="0">
+                <a:spAutoFit/>
+              </a:bodyPr>
+              <a:lstStyle/>
+              <a:p>
+                <a14:m>
+                  <m:oMathPara xmlns:m="http://schemas.openxmlformats.org/officeDocument/2006/math">
+                    <m:oMathParaPr>
+                      <m:jc m:val="centerGroup"/>
+                    </m:oMathParaPr>
+                    <m:oMath xmlns:m="http://schemas.openxmlformats.org/officeDocument/2006/math">
+                      <m:acc>
+                        <m:accPr>
+                          <m:chr m:val="⃗"/>
+                          <m:ctrlPr>
+                            <a:rPr lang="fr-FR" sz="1200" i="1" smtClean="0">
+                              <a:latin typeface="Cambria Math" panose="02040503050406030204" pitchFamily="18" charset="0"/>
+                            </a:rPr>
+                          </m:ctrlPr>
+                        </m:accPr>
+                        <m:e>
+                          <m:sSub>
+                            <m:sSubPr>
+                              <m:ctrlPr>
+                                <a:rPr lang="fr-FR" sz="1200" b="0" i="1" smtClean="0">
+                                  <a:latin typeface="Cambria Math" panose="02040503050406030204" pitchFamily="18" charset="0"/>
+                                </a:rPr>
+                              </m:ctrlPr>
+                            </m:sSubPr>
+                            <m:e>
+                              <m:r>
+                                <a:rPr lang="fr-FR" sz="1200" b="0" i="1" smtClean="0">
+                                  <a:latin typeface="Cambria Math" panose="02040503050406030204" pitchFamily="18" charset="0"/>
+                                </a:rPr>
+                                <m:t>𝑦</m:t>
+                              </m:r>
+                            </m:e>
+                            <m:sub>
+                              <m:r>
+                                <a:rPr lang="fr-FR" sz="1200" b="0" i="1" smtClean="0">
+                                  <a:latin typeface="Cambria Math" panose="02040503050406030204" pitchFamily="18" charset="0"/>
+                                </a:rPr>
+                                <m:t>𝑠</m:t>
+                              </m:r>
+                            </m:sub>
+                          </m:sSub>
+                        </m:e>
+                      </m:acc>
+                    </m:oMath>
+                  </m:oMathPara>
+                </a14:m>
+                <a:endParaRPr lang="fr-FR" sz="1200" dirty="0"/>
+              </a:p>
+            </p:txBody>
+          </p:sp>
+        </mc:Choice>
+        <mc:Fallback>
+          <p:sp>
+            <p:nvSpPr>
+              <p:cNvPr id="61" name="ZoneTexte 60"/>
+              <p:cNvSpPr txBox="1">
+                <a:spLocks noRot="1" noChangeAspect="1" noMove="1" noResize="1" noEditPoints="1" noAdjustHandles="1" noChangeArrowheads="1" noChangeShapeType="1" noTextEdit="1"/>
+              </p:cNvSpPr>
+              <p:nvPr/>
+            </p:nvSpPr>
+            <p:spPr>
+              <a:xfrm>
+                <a:off x="2833767" y="1079145"/>
+                <a:ext cx="171522" cy="184666"/>
+              </a:xfrm>
+              <a:prstGeom prst="rect">
+                <a:avLst/>
+              </a:prstGeom>
+              <a:blipFill>
+                <a:blip r:embed="rId3"/>
+                <a:stretch>
+                  <a:fillRect l="-21429" r="-3571" b="-23333"/>
+                </a:stretch>
+              </a:blipFill>
+            </p:spPr>
+            <p:txBody>
+              <a:bodyPr/>
+              <a:lstStyle/>
+              <a:p>
+                <a:r>
+                  <a:rPr lang="fr-FR">
+                    <a:noFill/>
+                  </a:rPr>
+                  <a:t> </a:t>
+                </a:r>
+              </a:p>
+            </p:txBody>
+          </p:sp>
+        </mc:Fallback>
+      </mc:AlternateContent>
+      <mc:AlternateContent xmlns:mc="http://schemas.openxmlformats.org/markup-compatibility/2006">
+        <mc:Choice xmlns:a14="http://schemas.microsoft.com/office/drawing/2010/main" Requires="a14">
+          <p:sp>
+            <p:nvSpPr>
+              <p:cNvPr id="62" name="ZoneTexte 61"/>
+              <p:cNvSpPr txBox="1"/>
+              <p:nvPr/>
+            </p:nvSpPr>
+            <p:spPr>
+              <a:xfrm>
+                <a:off x="1425826" y="931536"/>
+                <a:ext cx="124458" cy="184666"/>
+              </a:xfrm>
+              <a:prstGeom prst="rect">
+                <a:avLst/>
+              </a:prstGeom>
+              <a:noFill/>
+            </p:spPr>
+            <p:txBody>
+              <a:bodyPr wrap="none" lIns="0" tIns="0" rIns="0" bIns="0" rtlCol="0">
+                <a:spAutoFit/>
+              </a:bodyPr>
+              <a:lstStyle/>
+              <a:p>
+                <a14:m>
+                  <m:oMathPara xmlns:m="http://schemas.openxmlformats.org/officeDocument/2006/math">
+                    <m:oMathParaPr>
+                      <m:jc m:val="centerGroup"/>
+                    </m:oMathParaPr>
+                    <m:oMath xmlns:m="http://schemas.openxmlformats.org/officeDocument/2006/math">
+                      <m:acc>
+                        <m:accPr>
+                          <m:chr m:val="⃗"/>
+                          <m:ctrlPr>
+                            <a:rPr lang="fr-FR" sz="1200" i="1" smtClean="0">
+                              <a:latin typeface="Cambria Math" panose="02040503050406030204" pitchFamily="18" charset="0"/>
+                            </a:rPr>
+                          </m:ctrlPr>
+                        </m:accPr>
+                        <m:e>
+                          <m:r>
+                            <a:rPr lang="fr-FR" sz="1200" b="0" i="1" smtClean="0">
+                              <a:latin typeface="Cambria Math" panose="02040503050406030204" pitchFamily="18" charset="0"/>
+                            </a:rPr>
+                            <m:t>𝑦</m:t>
+                          </m:r>
+                        </m:e>
+                      </m:acc>
+                    </m:oMath>
+                  </m:oMathPara>
+                </a14:m>
+                <a:endParaRPr lang="fr-FR" sz="1200" dirty="0"/>
+              </a:p>
+            </p:txBody>
+          </p:sp>
+        </mc:Choice>
+        <mc:Fallback>
+          <p:sp>
+            <p:nvSpPr>
+              <p:cNvPr id="62" name="ZoneTexte 61"/>
+              <p:cNvSpPr txBox="1">
+                <a:spLocks noRot="1" noChangeAspect="1" noMove="1" noResize="1" noEditPoints="1" noAdjustHandles="1" noChangeArrowheads="1" noChangeShapeType="1" noTextEdit="1"/>
+              </p:cNvSpPr>
+              <p:nvPr/>
+            </p:nvSpPr>
+            <p:spPr>
+              <a:xfrm>
+                <a:off x="1425826" y="931536"/>
+                <a:ext cx="124458" cy="184666"/>
+              </a:xfrm>
+              <a:prstGeom prst="rect">
+                <a:avLst/>
+              </a:prstGeom>
+              <a:blipFill>
+                <a:blip r:embed="rId4"/>
+                <a:stretch>
+                  <a:fillRect l="-30000" t="-30000" r="-85000" b="-23333"/>
+                </a:stretch>
+              </a:blipFill>
+            </p:spPr>
+            <p:txBody>
+              <a:bodyPr/>
+              <a:lstStyle/>
+              <a:p>
+                <a:r>
+                  <a:rPr lang="fr-FR">
+                    <a:noFill/>
+                  </a:rPr>
+                  <a:t> </a:t>
+                </a:r>
+              </a:p>
+            </p:txBody>
+          </p:sp>
+        </mc:Fallback>
+      </mc:AlternateContent>
+      <mc:AlternateContent xmlns:mc="http://schemas.openxmlformats.org/markup-compatibility/2006">
+        <mc:Choice xmlns:a14="http://schemas.microsoft.com/office/drawing/2010/main" Requires="a14">
+          <p:sp>
+            <p:nvSpPr>
+              <p:cNvPr id="68" name="ZoneTexte 67"/>
+              <p:cNvSpPr txBox="1"/>
+              <p:nvPr/>
+            </p:nvSpPr>
+            <p:spPr>
+              <a:xfrm>
+                <a:off x="2011215" y="2622752"/>
+                <a:ext cx="121700" cy="184666"/>
+              </a:xfrm>
+              <a:prstGeom prst="rect">
+                <a:avLst/>
+              </a:prstGeom>
+              <a:noFill/>
+            </p:spPr>
+            <p:txBody>
+              <a:bodyPr wrap="none" lIns="0" tIns="0" rIns="0" bIns="0" rtlCol="0">
+                <a:spAutoFit/>
+              </a:bodyPr>
+              <a:lstStyle/>
+              <a:p>
+                <a14:m>
+                  <m:oMathPara xmlns:m="http://schemas.openxmlformats.org/officeDocument/2006/math">
+                    <m:oMathParaPr>
+                      <m:jc m:val="centerGroup"/>
+                    </m:oMathParaPr>
+                    <m:oMath xmlns:m="http://schemas.openxmlformats.org/officeDocument/2006/math">
+                      <m:acc>
+                        <m:accPr>
+                          <m:chr m:val="⃗"/>
+                          <m:ctrlPr>
+                            <a:rPr lang="fr-FR" sz="1200" i="1" smtClean="0">
+                              <a:latin typeface="Cambria Math" panose="02040503050406030204" pitchFamily="18" charset="0"/>
+                            </a:rPr>
+                          </m:ctrlPr>
+                        </m:accPr>
+                        <m:e>
+                          <m:r>
+                            <a:rPr lang="fr-FR" sz="1200" b="0" i="1" smtClean="0">
+                              <a:latin typeface="Cambria Math" panose="02040503050406030204" pitchFamily="18" charset="0"/>
+                            </a:rPr>
+                            <m:t>𝑥</m:t>
+                          </m:r>
+                        </m:e>
+                      </m:acc>
+                    </m:oMath>
+                  </m:oMathPara>
+                </a14:m>
+                <a:endParaRPr lang="fr-FR" sz="1200" dirty="0"/>
+              </a:p>
+            </p:txBody>
+          </p:sp>
+        </mc:Choice>
+        <mc:Fallback>
+          <p:sp>
+            <p:nvSpPr>
+              <p:cNvPr id="68" name="ZoneTexte 67"/>
+              <p:cNvSpPr txBox="1">
+                <a:spLocks noRot="1" noChangeAspect="1" noMove="1" noResize="1" noEditPoints="1" noAdjustHandles="1" noChangeArrowheads="1" noChangeShapeType="1" noTextEdit="1"/>
+              </p:cNvSpPr>
+              <p:nvPr/>
+            </p:nvSpPr>
+            <p:spPr>
+              <a:xfrm>
+                <a:off x="2011215" y="2622752"/>
+                <a:ext cx="121700" cy="184666"/>
+              </a:xfrm>
+              <a:prstGeom prst="rect">
+                <a:avLst/>
+              </a:prstGeom>
+              <a:blipFill>
+                <a:blip r:embed="rId5"/>
+                <a:stretch>
+                  <a:fillRect l="-20000" t="-25806" r="-85000"/>
+                </a:stretch>
+              </a:blipFill>
+            </p:spPr>
+            <p:txBody>
+              <a:bodyPr/>
+              <a:lstStyle/>
+              <a:p>
+                <a:r>
+                  <a:rPr lang="fr-FR">
+                    <a:noFill/>
+                  </a:rPr>
+                  <a:t> </a:t>
+                </a:r>
+              </a:p>
+            </p:txBody>
+          </p:sp>
+        </mc:Fallback>
+      </mc:AlternateContent>
+      <mc:AlternateContent xmlns:mc="http://schemas.openxmlformats.org/markup-compatibility/2006">
+        <mc:Choice xmlns:a14="http://schemas.microsoft.com/office/drawing/2010/main" Requires="a14">
+          <p:sp>
+            <p:nvSpPr>
+              <p:cNvPr id="69" name="ZoneTexte 68"/>
+              <p:cNvSpPr txBox="1"/>
+              <p:nvPr/>
+            </p:nvSpPr>
+            <p:spPr>
+              <a:xfrm>
+                <a:off x="2953794" y="1860956"/>
+                <a:ext cx="138178" cy="184666"/>
+              </a:xfrm>
+              <a:prstGeom prst="rect">
+                <a:avLst/>
+              </a:prstGeom>
+              <a:noFill/>
+            </p:spPr>
+            <p:txBody>
+              <a:bodyPr wrap="none" lIns="0" tIns="0" rIns="0" bIns="0" rtlCol="0">
+                <a:spAutoFit/>
+              </a:bodyPr>
+              <a:lstStyle/>
+              <a:p>
+                <a14:m>
+                  <m:oMathPara xmlns:m="http://schemas.openxmlformats.org/officeDocument/2006/math">
+                    <m:oMathParaPr>
+                      <m:jc m:val="centerGroup"/>
+                    </m:oMathParaPr>
+                    <m:oMath xmlns:m="http://schemas.openxmlformats.org/officeDocument/2006/math">
+                      <m:r>
+                        <a:rPr lang="fr-FR" sz="1200" b="0" i="1" smtClean="0">
+                          <a:latin typeface="Cambria Math" panose="02040503050406030204" pitchFamily="18" charset="0"/>
+                        </a:rPr>
+                        <m:t>𝐺</m:t>
+                      </m:r>
+                    </m:oMath>
+                  </m:oMathPara>
+                </a14:m>
+                <a:endParaRPr lang="fr-FR" sz="1200" dirty="0"/>
+              </a:p>
+            </p:txBody>
+          </p:sp>
+        </mc:Choice>
+        <mc:Fallback>
+          <p:sp>
+            <p:nvSpPr>
+              <p:cNvPr id="69" name="ZoneTexte 68"/>
+              <p:cNvSpPr txBox="1">
+                <a:spLocks noRot="1" noChangeAspect="1" noMove="1" noResize="1" noEditPoints="1" noAdjustHandles="1" noChangeArrowheads="1" noChangeShapeType="1" noTextEdit="1"/>
+              </p:cNvSpPr>
+              <p:nvPr/>
+            </p:nvSpPr>
+            <p:spPr>
+              <a:xfrm>
+                <a:off x="2953794" y="1860956"/>
+                <a:ext cx="138178" cy="184666"/>
+              </a:xfrm>
+              <a:prstGeom prst="rect">
+                <a:avLst/>
+              </a:prstGeom>
+              <a:blipFill>
+                <a:blip r:embed="rId6"/>
+                <a:stretch>
+                  <a:fillRect l="-27273" r="-27273" b="-3226"/>
+                </a:stretch>
+              </a:blipFill>
+            </p:spPr>
+            <p:txBody>
+              <a:bodyPr/>
+              <a:lstStyle/>
+              <a:p>
+                <a:r>
+                  <a:rPr lang="fr-FR">
+                    <a:noFill/>
+                  </a:rPr>
+                  <a:t> </a:t>
+                </a:r>
+              </a:p>
+            </p:txBody>
+          </p:sp>
+        </mc:Fallback>
+      </mc:AlternateContent>
+      <p:cxnSp>
+        <p:nvCxnSpPr>
+          <p:cNvPr id="70" name="Connecteur droit avec flèche 69"/>
+          <p:cNvCxnSpPr/>
+          <p:nvPr/>
+        </p:nvCxnSpPr>
+        <p:spPr>
+          <a:xfrm flipV="1">
+            <a:off x="1333798" y="2725440"/>
+            <a:ext cx="0" cy="375634"/>
+          </a:xfrm>
+          <a:prstGeom prst="straightConnector1">
+            <a:avLst/>
+          </a:prstGeom>
+          <a:ln w="38100">
+            <a:solidFill>
+              <a:srgbClr val="C00000"/>
+            </a:solidFill>
+            <a:tailEnd type="stealth" w="med" len="lg"/>
+          </a:ln>
+        </p:spPr>
+        <p:style>
+          <a:lnRef idx="1">
+            <a:schemeClr val="accent1"/>
+          </a:lnRef>
+          <a:fillRef idx="0">
+            <a:schemeClr val="accent1"/>
+          </a:fillRef>
+          <a:effectRef idx="0">
+            <a:schemeClr val="accent1"/>
+          </a:effectRef>
+          <a:fontRef idx="minor">
+            <a:schemeClr val="tx1"/>
+          </a:fontRef>
+        </p:style>
+      </p:cxnSp>
+      <mc:AlternateContent xmlns:mc="http://schemas.openxmlformats.org/markup-compatibility/2006">
+        <mc:Choice xmlns:a14="http://schemas.microsoft.com/office/drawing/2010/main" Requires="a14">
+          <p:sp>
+            <p:nvSpPr>
+              <p:cNvPr id="72" name="ZoneTexte 71"/>
+              <p:cNvSpPr txBox="1"/>
+              <p:nvPr/>
+            </p:nvSpPr>
+            <p:spPr>
+              <a:xfrm>
+                <a:off x="1359261" y="1176207"/>
+                <a:ext cx="340478" cy="184666"/>
+              </a:xfrm>
+              <a:prstGeom prst="rect">
+                <a:avLst/>
+              </a:prstGeom>
+              <a:noFill/>
+            </p:spPr>
+            <p:txBody>
+              <a:bodyPr wrap="none" lIns="0" tIns="0" rIns="0" bIns="0" rtlCol="0">
+                <a:spAutoFit/>
+              </a:bodyPr>
+              <a:lstStyle/>
+              <a:p>
+                <a14:m>
+                  <m:oMathPara xmlns:m="http://schemas.openxmlformats.org/officeDocument/2006/math">
+                    <m:oMathParaPr>
+                      <m:jc m:val="centerGroup"/>
+                    </m:oMathParaPr>
+                    <m:oMath xmlns:m="http://schemas.openxmlformats.org/officeDocument/2006/math">
+                      <m:r>
+                        <a:rPr lang="fr-FR" sz="1200" b="0" i="1" smtClean="0">
+                          <a:latin typeface="Cambria Math" panose="02040503050406030204" pitchFamily="18" charset="0"/>
+                        </a:rPr>
+                        <m:t>−</m:t>
+                      </m:r>
+                      <m:r>
+                        <a:rPr lang="fr-FR" sz="1200" b="0" i="1" smtClean="0">
+                          <a:latin typeface="Cambria Math" panose="02040503050406030204" pitchFamily="18" charset="0"/>
+                        </a:rPr>
+                        <m:t>𝐹</m:t>
+                      </m:r>
+                      <m:acc>
+                        <m:accPr>
+                          <m:chr m:val="⃗"/>
+                          <m:ctrlPr>
+                            <a:rPr lang="fr-FR" sz="1200" i="1" smtClean="0">
+                              <a:latin typeface="Cambria Math" panose="02040503050406030204" pitchFamily="18" charset="0"/>
+                            </a:rPr>
+                          </m:ctrlPr>
+                        </m:accPr>
+                        <m:e>
+                          <m:r>
+                            <a:rPr lang="fr-FR" sz="1200" b="0" i="1" smtClean="0">
+                              <a:latin typeface="Cambria Math" panose="02040503050406030204" pitchFamily="18" charset="0"/>
+                            </a:rPr>
+                            <m:t>𝑦</m:t>
+                          </m:r>
+                        </m:e>
+                      </m:acc>
+                    </m:oMath>
+                  </m:oMathPara>
+                </a14:m>
+                <a:endParaRPr lang="fr-FR" sz="1200" dirty="0"/>
+              </a:p>
+            </p:txBody>
+          </p:sp>
+        </mc:Choice>
+        <mc:Fallback>
+          <p:sp>
+            <p:nvSpPr>
+              <p:cNvPr id="72" name="ZoneTexte 71"/>
+              <p:cNvSpPr txBox="1">
+                <a:spLocks noRot="1" noChangeAspect="1" noMove="1" noResize="1" noEditPoints="1" noAdjustHandles="1" noChangeArrowheads="1" noChangeShapeType="1" noTextEdit="1"/>
+              </p:cNvSpPr>
+              <p:nvPr/>
+            </p:nvSpPr>
+            <p:spPr>
+              <a:xfrm>
+                <a:off x="1359261" y="1176207"/>
+                <a:ext cx="340478" cy="184666"/>
+              </a:xfrm>
+              <a:prstGeom prst="rect">
+                <a:avLst/>
+              </a:prstGeom>
+              <a:blipFill>
+                <a:blip r:embed="rId7"/>
+                <a:stretch>
+                  <a:fillRect l="-3571" t="-30000" r="-64286" b="-23333"/>
+                </a:stretch>
+              </a:blipFill>
+            </p:spPr>
+            <p:txBody>
+              <a:bodyPr/>
+              <a:lstStyle/>
+              <a:p>
+                <a:r>
+                  <a:rPr lang="fr-FR">
+                    <a:noFill/>
+                  </a:rPr>
+                  <a:t> </a:t>
+                </a:r>
+              </a:p>
+            </p:txBody>
+          </p:sp>
+        </mc:Fallback>
+      </mc:AlternateContent>
+      <mc:AlternateContent xmlns:mc="http://schemas.openxmlformats.org/markup-compatibility/2006">
+        <mc:Choice xmlns:a14="http://schemas.microsoft.com/office/drawing/2010/main" Requires="a14">
+          <p:sp>
+            <p:nvSpPr>
+              <p:cNvPr id="73" name="ZoneTexte 72"/>
+              <p:cNvSpPr txBox="1"/>
+              <p:nvPr/>
+            </p:nvSpPr>
+            <p:spPr>
+              <a:xfrm>
+                <a:off x="1359261" y="3011236"/>
+                <a:ext cx="225062" cy="184666"/>
+              </a:xfrm>
+              <a:prstGeom prst="rect">
+                <a:avLst/>
+              </a:prstGeom>
+              <a:noFill/>
+            </p:spPr>
+            <p:txBody>
+              <a:bodyPr wrap="none" lIns="0" tIns="0" rIns="0" bIns="0" rtlCol="0">
+                <a:spAutoFit/>
+              </a:bodyPr>
+              <a:lstStyle/>
+              <a:p>
+                <a14:m>
+                  <m:oMathPara xmlns:m="http://schemas.openxmlformats.org/officeDocument/2006/math">
+                    <m:oMathParaPr>
+                      <m:jc m:val="centerGroup"/>
+                    </m:oMathParaPr>
+                    <m:oMath xmlns:m="http://schemas.openxmlformats.org/officeDocument/2006/math">
+                      <m:r>
+                        <a:rPr lang="fr-FR" sz="1200" b="0" i="1" smtClean="0">
+                          <a:latin typeface="Cambria Math" panose="02040503050406030204" pitchFamily="18" charset="0"/>
+                        </a:rPr>
+                        <m:t>𝐹</m:t>
+                      </m:r>
+                      <m:acc>
+                        <m:accPr>
+                          <m:chr m:val="⃗"/>
+                          <m:ctrlPr>
+                            <a:rPr lang="fr-FR" sz="1200" i="1" smtClean="0">
+                              <a:latin typeface="Cambria Math" panose="02040503050406030204" pitchFamily="18" charset="0"/>
+                            </a:rPr>
+                          </m:ctrlPr>
+                        </m:accPr>
+                        <m:e>
+                          <m:r>
+                            <a:rPr lang="fr-FR" sz="1200" b="0" i="1" smtClean="0">
+                              <a:latin typeface="Cambria Math" panose="02040503050406030204" pitchFamily="18" charset="0"/>
+                            </a:rPr>
+                            <m:t>𝑦</m:t>
+                          </m:r>
+                        </m:e>
+                      </m:acc>
+                    </m:oMath>
+                  </m:oMathPara>
+                </a14:m>
+                <a:endParaRPr lang="fr-FR" sz="1200" dirty="0"/>
+              </a:p>
+            </p:txBody>
+          </p:sp>
+        </mc:Choice>
+        <mc:Fallback>
+          <p:sp>
+            <p:nvSpPr>
+              <p:cNvPr id="73" name="ZoneTexte 72"/>
+              <p:cNvSpPr txBox="1">
+                <a:spLocks noRot="1" noChangeAspect="1" noMove="1" noResize="1" noEditPoints="1" noAdjustHandles="1" noChangeArrowheads="1" noChangeShapeType="1" noTextEdit="1"/>
+              </p:cNvSpPr>
+              <p:nvPr/>
+            </p:nvSpPr>
+            <p:spPr>
+              <a:xfrm>
+                <a:off x="1359261" y="3011236"/>
+                <a:ext cx="225062" cy="184666"/>
+              </a:xfrm>
+              <a:prstGeom prst="rect">
+                <a:avLst/>
+              </a:prstGeom>
+              <a:blipFill>
+                <a:blip r:embed="rId8"/>
+                <a:stretch>
+                  <a:fillRect l="-16216" t="-30000" r="-89189" b="-23333"/>
+                </a:stretch>
+              </a:blipFill>
+            </p:spPr>
+            <p:txBody>
+              <a:bodyPr/>
+              <a:lstStyle/>
+              <a:p>
+                <a:r>
+                  <a:rPr lang="fr-FR">
+                    <a:noFill/>
+                  </a:rPr>
+                  <a:t> </a:t>
+                </a:r>
+              </a:p>
+            </p:txBody>
+          </p:sp>
+        </mc:Fallback>
+      </mc:AlternateContent>
+      <mc:AlternateContent xmlns:mc="http://schemas.openxmlformats.org/markup-compatibility/2006">
+        <mc:Choice xmlns:a14="http://schemas.microsoft.com/office/drawing/2010/main" Requires="a14">
+          <p:sp>
+            <p:nvSpPr>
+              <p:cNvPr id="38" name="ZoneTexte 37"/>
+              <p:cNvSpPr txBox="1"/>
+              <p:nvPr/>
+            </p:nvSpPr>
+            <p:spPr>
+              <a:xfrm>
+                <a:off x="1170567" y="2807418"/>
+                <a:ext cx="134524" cy="184666"/>
+              </a:xfrm>
+              <a:prstGeom prst="rect">
+                <a:avLst/>
+              </a:prstGeom>
+              <a:noFill/>
+            </p:spPr>
+            <p:txBody>
+              <a:bodyPr wrap="none" lIns="0" tIns="0" rIns="0" bIns="0" rtlCol="0">
+                <a:spAutoFit/>
+              </a:bodyPr>
+              <a:lstStyle/>
+              <a:p>
+                <a14:m>
+                  <m:oMathPara xmlns:m="http://schemas.openxmlformats.org/officeDocument/2006/math">
+                    <m:oMathParaPr>
+                      <m:jc m:val="centerGroup"/>
+                    </m:oMathParaPr>
+                    <m:oMath xmlns:m="http://schemas.openxmlformats.org/officeDocument/2006/math">
+                      <m:r>
+                        <a:rPr lang="fr-FR" sz="1200" b="0" i="1" smtClean="0">
+                          <a:latin typeface="Cambria Math" panose="02040503050406030204" pitchFamily="18" charset="0"/>
+                        </a:rPr>
+                        <m:t>𝐴</m:t>
+                      </m:r>
+                    </m:oMath>
+                  </m:oMathPara>
+                </a14:m>
+                <a:endParaRPr lang="fr-FR" sz="1200" dirty="0"/>
+              </a:p>
+            </p:txBody>
+          </p:sp>
+        </mc:Choice>
+        <mc:Fallback>
+          <p:sp>
+            <p:nvSpPr>
+              <p:cNvPr id="38" name="ZoneTexte 37"/>
+              <p:cNvSpPr txBox="1">
+                <a:spLocks noRot="1" noChangeAspect="1" noMove="1" noResize="1" noEditPoints="1" noAdjustHandles="1" noChangeArrowheads="1" noChangeShapeType="1" noTextEdit="1"/>
+              </p:cNvSpPr>
+              <p:nvPr/>
+            </p:nvSpPr>
+            <p:spPr>
+              <a:xfrm>
+                <a:off x="1170567" y="2807418"/>
+                <a:ext cx="134524" cy="184666"/>
+              </a:xfrm>
+              <a:prstGeom prst="rect">
+                <a:avLst/>
+              </a:prstGeom>
+              <a:blipFill>
+                <a:blip r:embed="rId9"/>
+                <a:stretch>
+                  <a:fillRect l="-27273" r="-27273" b="-6667"/>
+                </a:stretch>
+              </a:blipFill>
+            </p:spPr>
+            <p:txBody>
+              <a:bodyPr/>
+              <a:lstStyle/>
+              <a:p>
+                <a:r>
+                  <a:rPr lang="fr-FR">
+                    <a:noFill/>
+                  </a:rPr>
+                  <a:t> </a:t>
+                </a:r>
+              </a:p>
+            </p:txBody>
+          </p:sp>
+        </mc:Fallback>
+      </mc:AlternateContent>
+      <mc:AlternateContent xmlns:mc="http://schemas.openxmlformats.org/markup-compatibility/2006">
+        <mc:Choice xmlns:a14="http://schemas.microsoft.com/office/drawing/2010/main" Requires="a14">
+          <p:sp>
+            <p:nvSpPr>
+              <p:cNvPr id="74" name="ZoneTexte 73"/>
+              <p:cNvSpPr txBox="1"/>
+              <p:nvPr/>
+            </p:nvSpPr>
+            <p:spPr>
+              <a:xfrm>
+                <a:off x="1102582" y="1353300"/>
+                <a:ext cx="140358" cy="184666"/>
+              </a:xfrm>
+              <a:prstGeom prst="rect">
+                <a:avLst/>
+              </a:prstGeom>
+              <a:noFill/>
+            </p:spPr>
+            <p:txBody>
+              <a:bodyPr wrap="none" lIns="0" tIns="0" rIns="0" bIns="0" rtlCol="0">
+                <a:spAutoFit/>
+              </a:bodyPr>
+              <a:lstStyle/>
+              <a:p>
+                <a14:m>
+                  <m:oMathPara xmlns:m="http://schemas.openxmlformats.org/officeDocument/2006/math">
+                    <m:oMathParaPr>
+                      <m:jc m:val="centerGroup"/>
+                    </m:oMathParaPr>
+                    <m:oMath xmlns:m="http://schemas.openxmlformats.org/officeDocument/2006/math">
+                      <m:r>
+                        <a:rPr lang="fr-FR" sz="1200" b="0" i="1" smtClean="0">
+                          <a:latin typeface="Cambria Math" panose="02040503050406030204" pitchFamily="18" charset="0"/>
+                        </a:rPr>
+                        <m:t>𝐵</m:t>
+                      </m:r>
+                    </m:oMath>
+                  </m:oMathPara>
+                </a14:m>
+                <a:endParaRPr lang="fr-FR" sz="1200" dirty="0"/>
+              </a:p>
+            </p:txBody>
+          </p:sp>
+        </mc:Choice>
+        <mc:Fallback>
+          <p:sp>
+            <p:nvSpPr>
+              <p:cNvPr id="74" name="ZoneTexte 73"/>
+              <p:cNvSpPr txBox="1">
+                <a:spLocks noRot="1" noChangeAspect="1" noMove="1" noResize="1" noEditPoints="1" noAdjustHandles="1" noChangeArrowheads="1" noChangeShapeType="1" noTextEdit="1"/>
+              </p:cNvSpPr>
+              <p:nvPr/>
+            </p:nvSpPr>
+            <p:spPr>
+              <a:xfrm>
+                <a:off x="1102582" y="1353300"/>
+                <a:ext cx="140358" cy="184666"/>
+              </a:xfrm>
+              <a:prstGeom prst="rect">
+                <a:avLst/>
+              </a:prstGeom>
+              <a:blipFill>
+                <a:blip r:embed="rId10"/>
+                <a:stretch>
+                  <a:fillRect l="-26087" r="-21739" b="-6667"/>
+                </a:stretch>
+              </a:blipFill>
+            </p:spPr>
+            <p:txBody>
+              <a:bodyPr/>
+              <a:lstStyle/>
+              <a:p>
+                <a:r>
+                  <a:rPr lang="fr-FR">
+                    <a:noFill/>
+                  </a:rPr>
+                  <a:t> </a:t>
+                </a:r>
+              </a:p>
+            </p:txBody>
+          </p:sp>
+        </mc:Fallback>
+      </mc:AlternateContent>
+      <p:grpSp>
+        <p:nvGrpSpPr>
+          <p:cNvPr id="116" name="Groupe 115"/>
+          <p:cNvGrpSpPr/>
+          <p:nvPr/>
+        </p:nvGrpSpPr>
+        <p:grpSpPr>
+          <a:xfrm>
+            <a:off x="2123728" y="2622235"/>
+            <a:ext cx="1514262" cy="1436794"/>
+            <a:chOff x="3943012" y="2613788"/>
+            <a:chExt cx="1514262" cy="1436794"/>
+          </a:xfrm>
+        </p:grpSpPr>
+        <p:grpSp>
+          <p:nvGrpSpPr>
+            <p:cNvPr id="87" name="Groupe 86"/>
+            <p:cNvGrpSpPr/>
+            <p:nvPr/>
+          </p:nvGrpSpPr>
+          <p:grpSpPr>
+            <a:xfrm>
+              <a:off x="4133549" y="2613788"/>
+              <a:ext cx="1312716" cy="999060"/>
+              <a:chOff x="756569" y="132853"/>
+              <a:chExt cx="1312716" cy="999060"/>
+            </a:xfrm>
+          </p:grpSpPr>
+          <p:cxnSp>
+            <p:nvCxnSpPr>
+              <p:cNvPr id="88" name="Connecteur droit avec flèche 87"/>
+              <p:cNvCxnSpPr/>
+              <p:nvPr/>
+            </p:nvCxnSpPr>
+            <p:spPr>
+              <a:xfrm>
+                <a:off x="1192196" y="939329"/>
+                <a:ext cx="720000" cy="0"/>
+              </a:xfrm>
+              <a:prstGeom prst="straightConnector1">
+                <a:avLst/>
+              </a:prstGeom>
+              <a:ln w="12700">
+                <a:solidFill>
+                  <a:srgbClr val="C00000"/>
+                </a:solidFill>
+                <a:tailEnd type="stealth" w="med" len="lg"/>
+              </a:ln>
+            </p:spPr>
+            <p:style>
+              <a:lnRef idx="1">
+                <a:schemeClr val="accent1"/>
+              </a:lnRef>
+              <a:fillRef idx="0">
+                <a:schemeClr val="accent1"/>
+              </a:fillRef>
+              <a:effectRef idx="0">
+                <a:schemeClr val="accent1"/>
+              </a:effectRef>
+              <a:fontRef idx="minor">
+                <a:schemeClr val="tx1"/>
+              </a:fontRef>
+            </p:style>
+          </p:cxnSp>
+          <p:cxnSp>
+            <p:nvCxnSpPr>
+              <p:cNvPr id="89" name="Connecteur droit avec flèche 88"/>
+              <p:cNvCxnSpPr/>
+              <p:nvPr/>
+            </p:nvCxnSpPr>
+            <p:spPr>
+              <a:xfrm flipV="1">
+                <a:off x="1192196" y="219329"/>
+                <a:ext cx="0" cy="720000"/>
+              </a:xfrm>
+              <a:prstGeom prst="straightConnector1">
+                <a:avLst/>
+              </a:prstGeom>
+              <a:ln w="12700">
+                <a:solidFill>
+                  <a:srgbClr val="C00000"/>
+                </a:solidFill>
+                <a:tailEnd type="stealth" w="med" len="lg"/>
+              </a:ln>
+            </p:spPr>
+            <p:style>
+              <a:lnRef idx="1">
+                <a:schemeClr val="accent1"/>
+              </a:lnRef>
+              <a:fillRef idx="0">
+                <a:schemeClr val="accent1"/>
+              </a:fillRef>
+              <a:effectRef idx="0">
+                <a:schemeClr val="accent1"/>
+              </a:effectRef>
+              <a:fontRef idx="minor">
+                <a:schemeClr val="tx1"/>
+              </a:fontRef>
+            </p:style>
+          </p:cxnSp>
+          <mc:AlternateContent xmlns:mc="http://schemas.openxmlformats.org/markup-compatibility/2006">
+            <mc:Choice xmlns:a14="http://schemas.microsoft.com/office/drawing/2010/main" Requires="a14">
+              <p:sp>
+                <p:nvSpPr>
+                  <p:cNvPr id="90" name="ZoneTexte 89"/>
+                  <p:cNvSpPr txBox="1"/>
+                  <p:nvPr/>
+                </p:nvSpPr>
+                <p:spPr>
+                  <a:xfrm>
+                    <a:off x="1764297" y="916469"/>
+                    <a:ext cx="264688" cy="215444"/>
+                  </a:xfrm>
+                  <a:prstGeom prst="rect">
+                    <a:avLst/>
+                  </a:prstGeom>
+                  <a:noFill/>
+                </p:spPr>
+                <p:txBody>
+                  <a:bodyPr wrap="none" rtlCol="0">
+                    <a:spAutoFit/>
+                  </a:bodyPr>
+                  <a:lstStyle/>
+                  <a:p>
+                    <a:pPr/>
+                    <a14:m>
+                      <m:oMathPara xmlns:m="http://schemas.openxmlformats.org/officeDocument/2006/math">
+                        <m:oMathParaPr>
+                          <m:jc m:val="centerGroup"/>
+                        </m:oMathParaPr>
+                        <m:oMath xmlns:m="http://schemas.openxmlformats.org/officeDocument/2006/math">
+                          <m:acc>
+                            <m:accPr>
+                              <m:chr m:val="⃗"/>
+                              <m:ctrlPr>
+                                <a:rPr lang="fr-FR" sz="800" i="1" smtClean="0">
+                                  <a:latin typeface="Cambria Math" panose="02040503050406030204" pitchFamily="18" charset="0"/>
+                                </a:rPr>
+                              </m:ctrlPr>
+                            </m:accPr>
+                            <m:e>
+                              <m:r>
+                                <a:rPr lang="fr-FR" sz="800" b="0" i="1" smtClean="0">
+                                  <a:latin typeface="Cambria Math"/>
+                                </a:rPr>
+                                <m:t>𝑥</m:t>
+                              </m:r>
+                            </m:e>
+                          </m:acc>
+                        </m:oMath>
+                      </m:oMathPara>
+                    </a14:m>
+                    <a:endParaRPr lang="fr-FR" sz="800" dirty="0"/>
+                  </a:p>
+                </p:txBody>
+              </p:sp>
+            </mc:Choice>
+            <mc:Fallback>
+              <p:sp>
+                <p:nvSpPr>
+                  <p:cNvPr id="90" name="ZoneTexte 89"/>
+                  <p:cNvSpPr txBox="1">
+                    <a:spLocks noRot="1" noChangeAspect="1" noMove="1" noResize="1" noEditPoints="1" noAdjustHandles="1" noChangeArrowheads="1" noChangeShapeType="1" noTextEdit="1"/>
+                  </p:cNvSpPr>
+                  <p:nvPr/>
+                </p:nvSpPr>
+                <p:spPr>
+                  <a:xfrm>
+                    <a:off x="1764297" y="916469"/>
+                    <a:ext cx="264688" cy="215444"/>
+                  </a:xfrm>
+                  <a:prstGeom prst="rect">
+                    <a:avLst/>
+                  </a:prstGeom>
+                  <a:blipFill>
+                    <a:blip r:embed="rId11"/>
+                    <a:stretch>
+                      <a:fillRect t="-8571"/>
+                    </a:stretch>
+                  </a:blipFill>
+                </p:spPr>
+                <p:txBody>
+                  <a:bodyPr/>
+                  <a:lstStyle/>
+                  <a:p>
+                    <a:r>
+                      <a:rPr lang="fr-FR">
+                        <a:noFill/>
+                      </a:rPr>
+                      <a:t> </a:t>
+                    </a:r>
+                  </a:p>
+                </p:txBody>
+              </p:sp>
+            </mc:Fallback>
+          </mc:AlternateContent>
+          <mc:AlternateContent xmlns:mc="http://schemas.openxmlformats.org/markup-compatibility/2006">
+            <mc:Choice xmlns:a14="http://schemas.microsoft.com/office/drawing/2010/main" Requires="a14">
+              <p:sp>
+                <p:nvSpPr>
+                  <p:cNvPr id="91" name="ZoneTexte 90"/>
+                  <p:cNvSpPr txBox="1"/>
+                  <p:nvPr/>
+                </p:nvSpPr>
+                <p:spPr>
+                  <a:xfrm>
+                    <a:off x="1165868" y="132853"/>
+                    <a:ext cx="266547" cy="215444"/>
+                  </a:xfrm>
+                  <a:prstGeom prst="rect">
+                    <a:avLst/>
+                  </a:prstGeom>
+                  <a:noFill/>
+                </p:spPr>
+                <p:txBody>
+                  <a:bodyPr wrap="none" rtlCol="0">
+                    <a:spAutoFit/>
+                  </a:bodyPr>
+                  <a:lstStyle/>
+                  <a:p>
+                    <a:pPr/>
+                    <a14:m>
+                      <m:oMathPara xmlns:m="http://schemas.openxmlformats.org/officeDocument/2006/math">
+                        <m:oMathParaPr>
+                          <m:jc m:val="centerGroup"/>
+                        </m:oMathParaPr>
+                        <m:oMath xmlns:m="http://schemas.openxmlformats.org/officeDocument/2006/math">
+                          <m:acc>
+                            <m:accPr>
+                              <m:chr m:val="⃗"/>
+                              <m:ctrlPr>
+                                <a:rPr lang="fr-FR" sz="800" i="1" smtClean="0">
+                                  <a:latin typeface="Cambria Math" panose="02040503050406030204" pitchFamily="18" charset="0"/>
+                                </a:rPr>
+                              </m:ctrlPr>
+                            </m:accPr>
+                            <m:e>
+                              <m:r>
+                                <a:rPr lang="fr-FR" sz="800" b="0" i="1" smtClean="0">
+                                  <a:latin typeface="Cambria Math"/>
+                                </a:rPr>
+                                <m:t>𝑦</m:t>
+                              </m:r>
+                            </m:e>
+                          </m:acc>
+                        </m:oMath>
+                      </m:oMathPara>
+                    </a14:m>
+                    <a:endParaRPr lang="fr-FR" sz="800" dirty="0"/>
+                  </a:p>
+                </p:txBody>
+              </p:sp>
+            </mc:Choice>
+            <mc:Fallback>
+              <p:sp>
+                <p:nvSpPr>
+                  <p:cNvPr id="91" name="ZoneTexte 90"/>
+                  <p:cNvSpPr txBox="1">
+                    <a:spLocks noRot="1" noChangeAspect="1" noMove="1" noResize="1" noEditPoints="1" noAdjustHandles="1" noChangeArrowheads="1" noChangeShapeType="1" noTextEdit="1"/>
+                  </p:cNvSpPr>
+                  <p:nvPr/>
+                </p:nvSpPr>
+                <p:spPr>
+                  <a:xfrm>
+                    <a:off x="1165868" y="132853"/>
+                    <a:ext cx="266547" cy="215444"/>
+                  </a:xfrm>
+                  <a:prstGeom prst="rect">
+                    <a:avLst/>
+                  </a:prstGeom>
+                  <a:blipFill>
+                    <a:blip r:embed="rId12"/>
+                    <a:stretch>
+                      <a:fillRect t="-8571"/>
+                    </a:stretch>
+                  </a:blipFill>
+                </p:spPr>
+                <p:txBody>
+                  <a:bodyPr/>
+                  <a:lstStyle/>
+                  <a:p>
+                    <a:r>
+                      <a:rPr lang="fr-FR">
+                        <a:noFill/>
+                      </a:rPr>
+                      <a:t> </a:t>
+                    </a:r>
+                  </a:p>
+                </p:txBody>
+              </p:sp>
+            </mc:Fallback>
+          </mc:AlternateContent>
+          <p:sp>
+            <p:nvSpPr>
+              <p:cNvPr id="92" name="Ellipse 91"/>
+              <p:cNvSpPr/>
+              <p:nvPr/>
+            </p:nvSpPr>
+            <p:spPr>
+              <a:xfrm>
+                <a:off x="1122092" y="872692"/>
+                <a:ext cx="133273" cy="133273"/>
+              </a:xfrm>
+              <a:prstGeom prst="ellipse">
+                <a:avLst/>
+              </a:prstGeom>
+              <a:solidFill>
+                <a:schemeClr val="bg1"/>
+              </a:solidFill>
+              <a:ln w="12700">
+                <a:solidFill>
+                  <a:srgbClr val="C00000"/>
+                </a:solidFill>
+                <a:tailEnd type="stealth" w="med" len="lg"/>
+              </a:ln>
+            </p:spPr>
+            <p:style>
+              <a:lnRef idx="1">
+                <a:schemeClr val="accent1"/>
+              </a:lnRef>
+              <a:fillRef idx="0">
+                <a:schemeClr val="accent1"/>
+              </a:fillRef>
+              <a:effectRef idx="0">
+                <a:schemeClr val="accent1"/>
+              </a:effectRef>
+              <a:fontRef idx="minor">
+                <a:schemeClr val="tx1"/>
+              </a:fontRef>
+            </p:style>
+            <p:txBody>
+              <a:bodyPr rtlCol="0" anchor="ctr"/>
+              <a:lstStyle/>
+              <a:p>
+                <a:pPr algn="ctr"/>
+                <a:endParaRPr lang="fr-FR"/>
+              </a:p>
+            </p:txBody>
+          </p:sp>
+          <p:sp>
+            <p:nvSpPr>
+              <p:cNvPr id="93" name="Ellipse 92"/>
+              <p:cNvSpPr/>
+              <p:nvPr/>
+            </p:nvSpPr>
+            <p:spPr>
+              <a:xfrm flipV="1">
+                <a:off x="1165868" y="916469"/>
+                <a:ext cx="45720" cy="45720"/>
+              </a:xfrm>
+              <a:prstGeom prst="ellipse">
+                <a:avLst/>
+              </a:prstGeom>
+              <a:solidFill>
+                <a:srgbClr val="C00000"/>
+              </a:solidFill>
+              <a:ln w="12700">
+                <a:solidFill>
+                  <a:srgbClr val="C00000"/>
+                </a:solidFill>
+                <a:tailEnd type="stealth" w="med" len="lg"/>
+              </a:ln>
+            </p:spPr>
+            <p:style>
+              <a:lnRef idx="1">
+                <a:schemeClr val="accent1"/>
+              </a:lnRef>
+              <a:fillRef idx="0">
+                <a:schemeClr val="accent1"/>
+              </a:fillRef>
+              <a:effectRef idx="0">
+                <a:schemeClr val="accent1"/>
+              </a:effectRef>
+              <a:fontRef idx="minor">
+                <a:schemeClr val="tx1"/>
+              </a:fontRef>
+            </p:style>
+            <p:txBody>
+              <a:bodyPr rtlCol="0" anchor="ctr"/>
+              <a:lstStyle/>
+              <a:p>
+                <a:pPr algn="ctr"/>
+                <a:endParaRPr lang="fr-FR"/>
+              </a:p>
+            </p:txBody>
+          </p:sp>
+          <mc:AlternateContent xmlns:mc="http://schemas.openxmlformats.org/markup-compatibility/2006">
+            <mc:Choice xmlns:a14="http://schemas.microsoft.com/office/drawing/2010/main" Requires="a14">
+              <p:sp>
+                <p:nvSpPr>
+                  <p:cNvPr id="94" name="ZoneTexte 93"/>
+                  <p:cNvSpPr txBox="1"/>
+                  <p:nvPr/>
+                </p:nvSpPr>
+                <p:spPr>
+                  <a:xfrm>
+                    <a:off x="1766060" y="534798"/>
+                    <a:ext cx="303225" cy="215444"/>
+                  </a:xfrm>
+                  <a:prstGeom prst="rect">
+                    <a:avLst/>
+                  </a:prstGeom>
+                  <a:noFill/>
+                </p:spPr>
+                <p:txBody>
+                  <a:bodyPr wrap="none" rtlCol="0">
+                    <a:spAutoFit/>
+                  </a:bodyPr>
+                  <a:lstStyle/>
+                  <a:p>
+                    <a:pPr/>
+                    <a14:m>
+                      <m:oMathPara xmlns:m="http://schemas.openxmlformats.org/officeDocument/2006/math">
+                        <m:oMathParaPr>
+                          <m:jc m:val="centerGroup"/>
+                        </m:oMathParaPr>
+                        <m:oMath xmlns:m="http://schemas.openxmlformats.org/officeDocument/2006/math">
+                          <m:acc>
+                            <m:accPr>
+                              <m:chr m:val="⃗"/>
+                              <m:ctrlPr>
+                                <a:rPr lang="fr-FR" sz="800" i="1" smtClean="0">
+                                  <a:latin typeface="Cambria Math" panose="02040503050406030204" pitchFamily="18" charset="0"/>
+                                </a:rPr>
+                              </m:ctrlPr>
+                            </m:accPr>
+                            <m:e>
+                              <m:sSub>
+                                <m:sSubPr>
+                                  <m:ctrlPr>
+                                    <a:rPr lang="fr-FR" sz="800" b="0" i="1" smtClean="0">
+                                      <a:latin typeface="Cambria Math" panose="02040503050406030204" pitchFamily="18" charset="0"/>
+                                    </a:rPr>
+                                  </m:ctrlPr>
+                                </m:sSubPr>
+                                <m:e>
+                                  <m:r>
+                                    <a:rPr lang="fr-FR" sz="800" b="0" i="1" smtClean="0">
+                                      <a:latin typeface="Cambria Math" panose="02040503050406030204" pitchFamily="18" charset="0"/>
+                                    </a:rPr>
+                                    <m:t>𝑥</m:t>
+                                  </m:r>
+                                </m:e>
+                                <m:sub>
+                                  <m:r>
+                                    <a:rPr lang="fr-FR" sz="800" b="0" i="1" smtClean="0">
+                                      <a:latin typeface="Cambria Math" panose="02040503050406030204" pitchFamily="18" charset="0"/>
+                                    </a:rPr>
+                                    <m:t>𝑠</m:t>
+                                  </m:r>
+                                </m:sub>
+                              </m:sSub>
+                            </m:e>
+                          </m:acc>
+                        </m:oMath>
+                      </m:oMathPara>
+                    </a14:m>
+                    <a:endParaRPr lang="fr-FR" sz="800" dirty="0"/>
+                  </a:p>
+                </p:txBody>
+              </p:sp>
+            </mc:Choice>
+            <mc:Fallback>
+              <p:sp>
+                <p:nvSpPr>
+                  <p:cNvPr id="94" name="ZoneTexte 93"/>
+                  <p:cNvSpPr txBox="1">
+                    <a:spLocks noRot="1" noChangeAspect="1" noMove="1" noResize="1" noEditPoints="1" noAdjustHandles="1" noChangeArrowheads="1" noChangeShapeType="1" noTextEdit="1"/>
+                  </p:cNvSpPr>
+                  <p:nvPr/>
+                </p:nvSpPr>
+                <p:spPr>
+                  <a:xfrm>
+                    <a:off x="1766060" y="534798"/>
+                    <a:ext cx="303225" cy="215444"/>
+                  </a:xfrm>
+                  <a:prstGeom prst="rect">
+                    <a:avLst/>
+                  </a:prstGeom>
+                  <a:blipFill>
+                    <a:blip r:embed="rId13"/>
+                    <a:stretch>
+                      <a:fillRect/>
+                    </a:stretch>
+                  </a:blipFill>
+                </p:spPr>
+                <p:txBody>
+                  <a:bodyPr/>
+                  <a:lstStyle/>
+                  <a:p>
+                    <a:r>
+                      <a:rPr lang="fr-FR">
+                        <a:noFill/>
+                      </a:rPr>
+                      <a:t> </a:t>
+                    </a:r>
+                  </a:p>
+                </p:txBody>
+              </p:sp>
+            </mc:Fallback>
+          </mc:AlternateContent>
+          <mc:AlternateContent xmlns:mc="http://schemas.openxmlformats.org/markup-compatibility/2006">
+            <mc:Choice xmlns:a14="http://schemas.microsoft.com/office/drawing/2010/main" Requires="a14">
+              <p:sp>
+                <p:nvSpPr>
+                  <p:cNvPr id="95" name="ZoneTexte 94"/>
+                  <p:cNvSpPr txBox="1"/>
+                  <p:nvPr/>
+                </p:nvSpPr>
+                <p:spPr>
+                  <a:xfrm>
+                    <a:off x="756569" y="182344"/>
+                    <a:ext cx="298415" cy="215444"/>
+                  </a:xfrm>
+                  <a:prstGeom prst="rect">
+                    <a:avLst/>
+                  </a:prstGeom>
+                  <a:noFill/>
+                </p:spPr>
+                <p:txBody>
+                  <a:bodyPr wrap="none" rtlCol="0">
+                    <a:spAutoFit/>
+                  </a:bodyPr>
+                  <a:lstStyle/>
+                  <a:p>
+                    <a:pPr/>
+                    <a14:m>
+                      <m:oMathPara xmlns:m="http://schemas.openxmlformats.org/officeDocument/2006/math">
+                        <m:oMathParaPr>
+                          <m:jc m:val="centerGroup"/>
+                        </m:oMathParaPr>
+                        <m:oMath xmlns:m="http://schemas.openxmlformats.org/officeDocument/2006/math">
+                          <m:acc>
+                            <m:accPr>
+                              <m:chr m:val="⃗"/>
+                              <m:ctrlPr>
+                                <a:rPr lang="fr-FR" sz="800" i="1" smtClean="0">
+                                  <a:latin typeface="Cambria Math" panose="02040503050406030204" pitchFamily="18" charset="0"/>
+                                </a:rPr>
+                              </m:ctrlPr>
+                            </m:accPr>
+                            <m:e>
+                              <m:sSub>
+                                <m:sSubPr>
+                                  <m:ctrlPr>
+                                    <a:rPr lang="fr-FR" sz="800" b="0" i="1" smtClean="0">
+                                      <a:latin typeface="Cambria Math" panose="02040503050406030204" pitchFamily="18" charset="0"/>
+                                    </a:rPr>
+                                  </m:ctrlPr>
+                                </m:sSubPr>
+                                <m:e>
+                                  <m:r>
+                                    <a:rPr lang="fr-FR" sz="800" b="0" i="1" smtClean="0">
+                                      <a:latin typeface="Cambria Math" panose="02040503050406030204" pitchFamily="18" charset="0"/>
+                                    </a:rPr>
+                                    <m:t>𝑦</m:t>
+                                  </m:r>
+                                </m:e>
+                                <m:sub>
+                                  <m:r>
+                                    <a:rPr lang="fr-FR" sz="800" b="0" i="1" smtClean="0">
+                                      <a:latin typeface="Cambria Math" panose="02040503050406030204" pitchFamily="18" charset="0"/>
+                                    </a:rPr>
+                                    <m:t>𝑠</m:t>
+                                  </m:r>
+                                </m:sub>
+                              </m:sSub>
+                            </m:e>
+                          </m:acc>
+                        </m:oMath>
+                      </m:oMathPara>
+                    </a14:m>
+                    <a:endParaRPr lang="fr-FR" sz="800" dirty="0"/>
+                  </a:p>
+                </p:txBody>
+              </p:sp>
+            </mc:Choice>
+            <mc:Fallback>
+              <p:sp>
+                <p:nvSpPr>
+                  <p:cNvPr id="95" name="ZoneTexte 94"/>
+                  <p:cNvSpPr txBox="1">
+                    <a:spLocks noRot="1" noChangeAspect="1" noMove="1" noResize="1" noEditPoints="1" noAdjustHandles="1" noChangeArrowheads="1" noChangeShapeType="1" noTextEdit="1"/>
+                  </p:cNvSpPr>
+                  <p:nvPr/>
+                </p:nvSpPr>
+                <p:spPr>
+                  <a:xfrm>
+                    <a:off x="756569" y="182344"/>
+                    <a:ext cx="298415" cy="215444"/>
+                  </a:xfrm>
+                  <a:prstGeom prst="rect">
+                    <a:avLst/>
+                  </a:prstGeom>
+                  <a:blipFill>
+                    <a:blip r:embed="rId14"/>
+                    <a:stretch>
+                      <a:fillRect/>
+                    </a:stretch>
+                  </a:blipFill>
+                </p:spPr>
+                <p:txBody>
+                  <a:bodyPr/>
+                  <a:lstStyle/>
+                  <a:p>
+                    <a:r>
+                      <a:rPr lang="fr-FR">
+                        <a:noFill/>
+                      </a:rPr>
+                      <a:t> </a:t>
+                    </a:r>
+                  </a:p>
+                </p:txBody>
+              </p:sp>
+            </mc:Fallback>
+          </mc:AlternateContent>
+        </p:grpSp>
+        <p:sp>
+          <p:nvSpPr>
+            <p:cNvPr id="96" name="Arc 95"/>
+            <p:cNvSpPr/>
+            <p:nvPr/>
+          </p:nvSpPr>
+          <p:spPr>
+            <a:xfrm>
+              <a:off x="3943012" y="2807418"/>
+              <a:ext cx="1243162" cy="1243164"/>
+            </a:xfrm>
+            <a:prstGeom prst="arc">
+              <a:avLst>
+                <a:gd name="adj1" fmla="val 20718230"/>
+                <a:gd name="adj2" fmla="val 21498688"/>
+              </a:avLst>
+            </a:prstGeom>
+            <a:noFill/>
+            <a:ln w="12700">
+              <a:solidFill>
+                <a:schemeClr val="accent5">
+                  <a:lumMod val="50000"/>
+                </a:schemeClr>
+              </a:solidFill>
+              <a:headEnd type="stealth" w="med" len="lg"/>
+            </a:ln>
+          </p:spPr>
+          <p:style>
+            <a:lnRef idx="1">
+              <a:schemeClr val="accent1"/>
+            </a:lnRef>
+            <a:fillRef idx="0">
+              <a:schemeClr val="accent1"/>
+            </a:fillRef>
+            <a:effectRef idx="0">
+              <a:schemeClr val="accent1"/>
+            </a:effectRef>
+            <a:fontRef idx="minor">
+              <a:schemeClr val="tx1"/>
+            </a:fontRef>
+          </p:style>
+          <p:txBody>
+            <a:bodyPr rtlCol="0" anchor="ctr"/>
+            <a:lstStyle/>
+            <a:p>
+              <a:pPr algn="ctr"/>
+              <a:endParaRPr lang="fr-FR" dirty="0"/>
+            </a:p>
+          </p:txBody>
+        </p:sp>
+        <mc:AlternateContent xmlns:mc="http://schemas.openxmlformats.org/markup-compatibility/2006">
+          <mc:Choice xmlns:a14="http://schemas.microsoft.com/office/drawing/2010/main" Requires="a14">
+            <p:sp>
+              <p:nvSpPr>
+                <p:cNvPr id="97" name="ZoneTexte 96"/>
+                <p:cNvSpPr txBox="1"/>
+                <p:nvPr/>
+              </p:nvSpPr>
+              <p:spPr>
+                <a:xfrm>
+                  <a:off x="5186174" y="3204819"/>
+                  <a:ext cx="271100" cy="215444"/>
+                </a:xfrm>
+                <a:prstGeom prst="rect">
+                  <a:avLst/>
+                </a:prstGeom>
+                <a:noFill/>
+              </p:spPr>
+              <p:txBody>
+                <a:bodyPr wrap="none" rtlCol="0">
+                  <a:spAutoFit/>
+                </a:bodyPr>
+                <a:lstStyle/>
+                <a:p>
+                  <a:pPr/>
+                  <a14:m>
+                    <m:oMathPara xmlns:m="http://schemas.openxmlformats.org/officeDocument/2006/math">
+                      <m:oMathParaPr>
+                        <m:jc m:val="centerGroup"/>
+                      </m:oMathParaPr>
+                      <m:oMath xmlns:m="http://schemas.openxmlformats.org/officeDocument/2006/math">
+                        <m:r>
+                          <a:rPr lang="fr-FR" sz="800" b="0" i="1" smtClean="0">
+                            <a:latin typeface="Cambria Math" panose="02040503050406030204" pitchFamily="18" charset="0"/>
+                          </a:rPr>
+                          <m:t>𝛼</m:t>
+                        </m:r>
+                      </m:oMath>
+                    </m:oMathPara>
+                  </a14:m>
+                  <a:endParaRPr lang="fr-FR" sz="800" dirty="0"/>
+                </a:p>
+              </p:txBody>
+            </p:sp>
+          </mc:Choice>
+          <mc:Fallback>
+            <p:sp>
+              <p:nvSpPr>
+                <p:cNvPr id="97" name="ZoneTexte 96"/>
+                <p:cNvSpPr txBox="1">
+                  <a:spLocks noRot="1" noChangeAspect="1" noMove="1" noResize="1" noEditPoints="1" noAdjustHandles="1" noChangeArrowheads="1" noChangeShapeType="1" noTextEdit="1"/>
+                </p:cNvSpPr>
+                <p:nvPr/>
+              </p:nvSpPr>
+              <p:spPr>
+                <a:xfrm>
+                  <a:off x="5186174" y="3204819"/>
+                  <a:ext cx="271100" cy="215444"/>
+                </a:xfrm>
+                <a:prstGeom prst="rect">
+                  <a:avLst/>
+                </a:prstGeom>
+                <a:blipFill>
+                  <a:blip r:embed="rId15"/>
+                  <a:stretch>
+                    <a:fillRect/>
+                  </a:stretch>
+                </a:blipFill>
+              </p:spPr>
+              <p:txBody>
+                <a:bodyPr/>
+                <a:lstStyle/>
+                <a:p>
+                  <a:r>
+                    <a:rPr lang="fr-FR">
+                      <a:noFill/>
+                    </a:rPr>
+                    <a:t> </a:t>
+                  </a:r>
+                </a:p>
+              </p:txBody>
+            </p:sp>
+          </mc:Fallback>
+        </mc:AlternateContent>
+        <p:grpSp>
+          <p:nvGrpSpPr>
+            <p:cNvPr id="98" name="Groupe 97"/>
+            <p:cNvGrpSpPr/>
+            <p:nvPr/>
+          </p:nvGrpSpPr>
+          <p:grpSpPr>
+            <a:xfrm rot="20700000">
+              <a:off x="4462318" y="2628601"/>
+              <a:ext cx="724182" cy="720000"/>
+              <a:chOff x="1188015" y="219341"/>
+              <a:chExt cx="724182" cy="720000"/>
+            </a:xfrm>
+          </p:grpSpPr>
+          <p:cxnSp>
+            <p:nvCxnSpPr>
+              <p:cNvPr id="99" name="Connecteur droit avec flèche 98"/>
+              <p:cNvCxnSpPr/>
+              <p:nvPr/>
+            </p:nvCxnSpPr>
+            <p:spPr>
+              <a:xfrm>
+                <a:off x="1192197" y="939329"/>
+                <a:ext cx="720000" cy="0"/>
+              </a:xfrm>
+              <a:prstGeom prst="straightConnector1">
+                <a:avLst/>
+              </a:prstGeom>
+              <a:ln w="12700">
+                <a:solidFill>
+                  <a:srgbClr val="C00000"/>
+                </a:solidFill>
+                <a:tailEnd type="stealth" w="med" len="lg"/>
+              </a:ln>
+            </p:spPr>
+            <p:style>
+              <a:lnRef idx="1">
+                <a:schemeClr val="accent1"/>
+              </a:lnRef>
+              <a:fillRef idx="0">
+                <a:schemeClr val="accent1"/>
+              </a:fillRef>
+              <a:effectRef idx="0">
+                <a:schemeClr val="accent1"/>
+              </a:effectRef>
+              <a:fontRef idx="minor">
+                <a:schemeClr val="tx1"/>
+              </a:fontRef>
+            </p:style>
+          </p:cxnSp>
+          <p:cxnSp>
+            <p:nvCxnSpPr>
+              <p:cNvPr id="100" name="Connecteur droit avec flèche 99"/>
+              <p:cNvCxnSpPr/>
+              <p:nvPr/>
+            </p:nvCxnSpPr>
+            <p:spPr>
+              <a:xfrm flipV="1">
+                <a:off x="1188015" y="219341"/>
+                <a:ext cx="0" cy="720000"/>
+              </a:xfrm>
+              <a:prstGeom prst="straightConnector1">
+                <a:avLst/>
+              </a:prstGeom>
+              <a:ln w="12700">
+                <a:solidFill>
+                  <a:srgbClr val="C00000"/>
+                </a:solidFill>
+                <a:tailEnd type="stealth" w="med" len="lg"/>
+              </a:ln>
+            </p:spPr>
+            <p:style>
+              <a:lnRef idx="1">
+                <a:schemeClr val="accent1"/>
+              </a:lnRef>
+              <a:fillRef idx="0">
+                <a:schemeClr val="accent1"/>
+              </a:fillRef>
+              <a:effectRef idx="0">
+                <a:schemeClr val="accent1"/>
+              </a:effectRef>
+              <a:fontRef idx="minor">
+                <a:schemeClr val="tx1"/>
+              </a:fontRef>
+            </p:style>
+          </p:cxnSp>
+        </p:grpSp>
+      </p:grpSp>
+      <p:sp>
+        <p:nvSpPr>
+          <p:cNvPr id="107" name="Ellipse 106"/>
+          <p:cNvSpPr/>
+          <p:nvPr/>
+        </p:nvSpPr>
+        <p:spPr>
+          <a:xfrm flipV="1">
+            <a:off x="1307589" y="1977419"/>
+            <a:ext cx="45720" cy="45720"/>
+          </a:xfrm>
+          <a:prstGeom prst="ellipse">
+            <a:avLst/>
+          </a:prstGeom>
+          <a:solidFill>
+            <a:srgbClr val="C00000"/>
+          </a:solidFill>
+          <a:ln w="12700">
+            <a:solidFill>
+              <a:srgbClr val="C00000"/>
+            </a:solidFill>
+            <a:tailEnd type="stealth" w="med" len="lg"/>
+          </a:ln>
+        </p:spPr>
+        <p:style>
+          <a:lnRef idx="1">
+            <a:schemeClr val="accent1"/>
+          </a:lnRef>
+          <a:fillRef idx="0">
+            <a:schemeClr val="accent1"/>
+          </a:fillRef>
+          <a:effectRef idx="0">
+            <a:schemeClr val="accent1"/>
+          </a:effectRef>
+          <a:fontRef idx="minor">
+            <a:schemeClr val="tx1"/>
+          </a:fontRef>
+        </p:style>
+        <p:txBody>
+          <a:bodyPr rtlCol="0" anchor="ctr"/>
+          <a:lstStyle/>
+          <a:p>
+            <a:pPr algn="ctr"/>
+            <a:endParaRPr lang="fr-FR"/>
+          </a:p>
+        </p:txBody>
+      </p:sp>
+      <mc:AlternateContent xmlns:mc="http://schemas.openxmlformats.org/markup-compatibility/2006">
+        <mc:Choice xmlns:a14="http://schemas.microsoft.com/office/drawing/2010/main" Requires="a14">
+          <p:sp>
+            <p:nvSpPr>
+              <p:cNvPr id="110" name="ZoneTexte 109"/>
+              <p:cNvSpPr txBox="1"/>
+              <p:nvPr/>
+            </p:nvSpPr>
+            <p:spPr>
+              <a:xfrm>
+                <a:off x="1375487" y="1868818"/>
+                <a:ext cx="138178" cy="184666"/>
+              </a:xfrm>
+              <a:prstGeom prst="rect">
+                <a:avLst/>
+              </a:prstGeom>
+              <a:noFill/>
+            </p:spPr>
+            <p:txBody>
+              <a:bodyPr wrap="none" lIns="0" tIns="0" rIns="0" bIns="0" rtlCol="0">
+                <a:spAutoFit/>
+              </a:bodyPr>
+              <a:lstStyle/>
+              <a:p>
+                <a14:m>
+                  <m:oMathPara xmlns:m="http://schemas.openxmlformats.org/officeDocument/2006/math">
+                    <m:oMathParaPr>
+                      <m:jc m:val="centerGroup"/>
+                    </m:oMathParaPr>
+                    <m:oMath xmlns:m="http://schemas.openxmlformats.org/officeDocument/2006/math">
+                      <m:r>
+                        <a:rPr lang="fr-FR" sz="1200" b="0" i="1" smtClean="0">
+                          <a:latin typeface="Cambria Math" panose="02040503050406030204" pitchFamily="18" charset="0"/>
+                        </a:rPr>
+                        <m:t>𝐺</m:t>
+                      </m:r>
+                    </m:oMath>
+                  </m:oMathPara>
+                </a14:m>
+                <a:endParaRPr lang="fr-FR" sz="1200" dirty="0"/>
+              </a:p>
+            </p:txBody>
+          </p:sp>
+        </mc:Choice>
+        <mc:Fallback>
+          <p:sp>
+            <p:nvSpPr>
+              <p:cNvPr id="110" name="ZoneTexte 109"/>
+              <p:cNvSpPr txBox="1">
+                <a:spLocks noRot="1" noChangeAspect="1" noMove="1" noResize="1" noEditPoints="1" noAdjustHandles="1" noChangeArrowheads="1" noChangeShapeType="1" noTextEdit="1"/>
+              </p:cNvSpPr>
+              <p:nvPr/>
+            </p:nvSpPr>
+            <p:spPr>
+              <a:xfrm>
+                <a:off x="1375487" y="1868818"/>
+                <a:ext cx="138178" cy="184666"/>
+              </a:xfrm>
+              <a:prstGeom prst="rect">
+                <a:avLst/>
+              </a:prstGeom>
+              <a:blipFill>
+                <a:blip r:embed="rId6"/>
+                <a:stretch>
+                  <a:fillRect l="-27273" r="-27273" b="-6667"/>
+                </a:stretch>
+              </a:blipFill>
+            </p:spPr>
+            <p:txBody>
+              <a:bodyPr/>
+              <a:lstStyle/>
+              <a:p>
+                <a:r>
+                  <a:rPr lang="fr-FR">
+                    <a:noFill/>
+                  </a:rPr>
+                  <a:t> </a:t>
+                </a:r>
+              </a:p>
+            </p:txBody>
+          </p:sp>
+        </mc:Fallback>
+      </mc:AlternateContent>
+      <p:cxnSp>
+        <p:nvCxnSpPr>
+          <p:cNvPr id="111" name="Connecteur droit 110"/>
+          <p:cNvCxnSpPr>
+            <a:endCxn id="4" idx="0"/>
+          </p:cNvCxnSpPr>
+          <p:nvPr/>
+        </p:nvCxnSpPr>
+        <p:spPr>
+          <a:xfrm flipH="1" flipV="1">
+            <a:off x="971600" y="2564904"/>
+            <a:ext cx="0" cy="855360"/>
+          </a:xfrm>
+          <a:prstGeom prst="line">
+            <a:avLst/>
+          </a:prstGeom>
+          <a:solidFill>
+            <a:schemeClr val="accent5">
+              <a:lumMod val="20000"/>
+              <a:lumOff val="80000"/>
+            </a:schemeClr>
+          </a:solidFill>
+          <a:ln w="12700">
+            <a:solidFill>
+              <a:schemeClr val="accent5">
+                <a:lumMod val="50000"/>
+              </a:schemeClr>
+            </a:solidFill>
+            <a:prstDash val="lgDashDot"/>
+          </a:ln>
+        </p:spPr>
+        <p:style>
+          <a:lnRef idx="2">
+            <a:schemeClr val="accent1">
+              <a:shade val="50000"/>
+            </a:schemeClr>
+          </a:lnRef>
+          <a:fillRef idx="1">
+            <a:schemeClr val="accent1"/>
+          </a:fillRef>
+          <a:effectRef idx="0">
+            <a:schemeClr val="accent1"/>
+          </a:effectRef>
+          <a:fontRef idx="minor">
+            <a:schemeClr val="lt1"/>
+          </a:fontRef>
+        </p:style>
+      </p:cxnSp>
+      <p:cxnSp>
+        <p:nvCxnSpPr>
+          <p:cNvPr id="112" name="Connecteur droit 111"/>
+          <p:cNvCxnSpPr/>
+          <p:nvPr/>
+        </p:nvCxnSpPr>
+        <p:spPr>
+          <a:xfrm flipH="1" flipV="1">
+            <a:off x="1691583" y="2579878"/>
+            <a:ext cx="0" cy="855360"/>
+          </a:xfrm>
+          <a:prstGeom prst="line">
+            <a:avLst/>
+          </a:prstGeom>
+          <a:solidFill>
+            <a:schemeClr val="accent5">
+              <a:lumMod val="20000"/>
+              <a:lumOff val="80000"/>
+            </a:schemeClr>
+          </a:solidFill>
+          <a:ln w="12700">
+            <a:solidFill>
+              <a:schemeClr val="accent5">
+                <a:lumMod val="50000"/>
+              </a:schemeClr>
+            </a:solidFill>
+            <a:prstDash val="lgDashDot"/>
+          </a:ln>
+        </p:spPr>
+        <p:style>
+          <a:lnRef idx="2">
+            <a:schemeClr val="accent1">
+              <a:shade val="50000"/>
+            </a:schemeClr>
+          </a:lnRef>
+          <a:fillRef idx="1">
+            <a:schemeClr val="accent1"/>
+          </a:fillRef>
+          <a:effectRef idx="0">
+            <a:schemeClr val="accent1"/>
+          </a:effectRef>
+          <a:fontRef idx="minor">
+            <a:schemeClr val="lt1"/>
+          </a:fontRef>
+        </p:style>
+      </p:cxnSp>
+      <p:cxnSp>
+        <p:nvCxnSpPr>
+          <p:cNvPr id="114" name="Connecteur droit avec flèche 113"/>
+          <p:cNvCxnSpPr/>
+          <p:nvPr/>
+        </p:nvCxnSpPr>
+        <p:spPr>
+          <a:xfrm flipH="1">
+            <a:off x="979149" y="3397404"/>
+            <a:ext cx="709298" cy="0"/>
+          </a:xfrm>
+          <a:prstGeom prst="straightConnector1">
+            <a:avLst/>
+          </a:prstGeom>
+          <a:ln w="12700">
+            <a:solidFill>
+              <a:schemeClr val="accent5">
+                <a:lumMod val="50000"/>
+              </a:schemeClr>
+            </a:solidFill>
+            <a:headEnd type="stealth" w="med" len="lg"/>
+            <a:tailEnd type="stealth" w="med" len="lg"/>
+          </a:ln>
+        </p:spPr>
+        <p:style>
+          <a:lnRef idx="1">
+            <a:schemeClr val="accent1"/>
+          </a:lnRef>
+          <a:fillRef idx="0">
+            <a:schemeClr val="accent1"/>
+          </a:fillRef>
+          <a:effectRef idx="0">
+            <a:schemeClr val="accent1"/>
+          </a:effectRef>
+          <a:fontRef idx="minor">
+            <a:schemeClr val="tx1"/>
+          </a:fontRef>
+        </p:style>
+      </p:cxnSp>
+      <mc:AlternateContent xmlns:mc="http://schemas.openxmlformats.org/markup-compatibility/2006">
+        <mc:Choice xmlns:a14="http://schemas.microsoft.com/office/drawing/2010/main" Requires="a14">
+          <p:sp>
+            <p:nvSpPr>
+              <p:cNvPr id="115" name="ZoneTexte 114"/>
+              <p:cNvSpPr txBox="1"/>
+              <p:nvPr/>
+            </p:nvSpPr>
+            <p:spPr>
+              <a:xfrm>
+                <a:off x="1254451" y="3210462"/>
+                <a:ext cx="133946" cy="169277"/>
+              </a:xfrm>
+              <a:prstGeom prst="rect">
+                <a:avLst/>
+              </a:prstGeom>
+              <a:noFill/>
+            </p:spPr>
+            <p:txBody>
+              <a:bodyPr wrap="none" lIns="0" tIns="0" rIns="0" bIns="0" rtlCol="0">
+                <a:spAutoFit/>
+              </a:bodyPr>
+              <a:lstStyle/>
+              <a:p>
+                <a14:m>
+                  <m:oMathPara xmlns:m="http://schemas.openxmlformats.org/officeDocument/2006/math">
+                    <m:oMathParaPr>
+                      <m:jc m:val="centerGroup"/>
+                    </m:oMathParaPr>
+                    <m:oMath xmlns:m="http://schemas.openxmlformats.org/officeDocument/2006/math">
+                      <m:r>
+                        <a:rPr lang="fr-FR" sz="1100" b="0" i="1" smtClean="0">
+                          <a:latin typeface="Cambria Math" panose="02040503050406030204" pitchFamily="18" charset="0"/>
+                        </a:rPr>
+                        <m:t>𝐷</m:t>
+                      </m:r>
+                    </m:oMath>
+                  </m:oMathPara>
+                </a14:m>
+                <a:endParaRPr lang="fr-FR" sz="1100" dirty="0"/>
+              </a:p>
+            </p:txBody>
+          </p:sp>
+        </mc:Choice>
+        <mc:Fallback>
+          <p:sp>
+            <p:nvSpPr>
+              <p:cNvPr id="115" name="ZoneTexte 114"/>
+              <p:cNvSpPr txBox="1">
+                <a:spLocks noRot="1" noChangeAspect="1" noMove="1" noResize="1" noEditPoints="1" noAdjustHandles="1" noChangeArrowheads="1" noChangeShapeType="1" noTextEdit="1"/>
+              </p:cNvSpPr>
+              <p:nvPr/>
+            </p:nvSpPr>
+            <p:spPr>
+              <a:xfrm>
+                <a:off x="1254451" y="3210462"/>
+                <a:ext cx="133946" cy="169277"/>
+              </a:xfrm>
+              <a:prstGeom prst="rect">
+                <a:avLst/>
+              </a:prstGeom>
+              <a:blipFill>
+                <a:blip r:embed="rId16"/>
+                <a:stretch>
+                  <a:fillRect l="-22727" r="-22727" b="-11111"/>
+                </a:stretch>
+              </a:blipFill>
+            </p:spPr>
+            <p:txBody>
+              <a:bodyPr/>
+              <a:lstStyle/>
+              <a:p>
+                <a:r>
+                  <a:rPr lang="fr-FR">
+                    <a:noFill/>
+                  </a:rPr>
+                  <a:t> </a:t>
+                </a:r>
+              </a:p>
+            </p:txBody>
+          </p:sp>
+        </mc:Fallback>
+      </mc:AlternateContent>
+      <mc:AlternateContent xmlns:mc="http://schemas.openxmlformats.org/markup-compatibility/2006">
+        <mc:Choice xmlns:a14="http://schemas.microsoft.com/office/drawing/2010/main" Requires="a14">
+          <p:sp>
+            <p:nvSpPr>
+              <p:cNvPr id="118" name="ZoneTexte 117"/>
+              <p:cNvSpPr txBox="1"/>
+              <p:nvPr/>
+            </p:nvSpPr>
+            <p:spPr>
+              <a:xfrm>
+                <a:off x="977658" y="3654640"/>
+                <a:ext cx="1009764" cy="344518"/>
+              </a:xfrm>
+              <a:prstGeom prst="rect">
+                <a:avLst/>
+              </a:prstGeom>
+              <a:noFill/>
+            </p:spPr>
+            <p:txBody>
+              <a:bodyPr wrap="none" lIns="0" tIns="0" rIns="0" bIns="0" rtlCol="0">
+                <a:spAutoFit/>
+              </a:bodyPr>
+              <a:lstStyle/>
+              <a:p>
+                <a14:m>
+                  <m:oMathPara xmlns:m="http://schemas.openxmlformats.org/officeDocument/2006/math">
+                    <m:oMathParaPr>
+                      <m:jc m:val="centerGroup"/>
+                    </m:oMathParaPr>
+                    <m:oMath xmlns:m="http://schemas.openxmlformats.org/officeDocument/2006/math">
+                      <m:acc>
+                        <m:accPr>
+                          <m:chr m:val="⃗"/>
+                          <m:ctrlPr>
+                            <a:rPr lang="fr-FR" sz="1200" b="0" i="1" smtClean="0">
+                              <a:latin typeface="Cambria Math" panose="02040503050406030204" pitchFamily="18" charset="0"/>
+                            </a:rPr>
+                          </m:ctrlPr>
+                        </m:accPr>
+                        <m:e>
+                          <m:r>
+                            <a:rPr lang="fr-FR" sz="1200" b="0" i="1" smtClean="0">
+                              <a:latin typeface="Cambria Math" panose="02040503050406030204" pitchFamily="18" charset="0"/>
+                            </a:rPr>
+                            <m:t>𝐴</m:t>
+                          </m:r>
+                          <m:r>
+                            <a:rPr lang="fr-FR" sz="1200" i="1">
+                              <a:latin typeface="Cambria Math" panose="02040503050406030204" pitchFamily="18" charset="0"/>
+                            </a:rPr>
+                            <m:t>𝐺</m:t>
+                          </m:r>
+                        </m:e>
+                      </m:acc>
+                      <m:r>
+                        <a:rPr lang="fr-FR" sz="1200" b="0" i="1" smtClean="0">
+                          <a:latin typeface="Cambria Math" panose="02040503050406030204" pitchFamily="18" charset="0"/>
+                        </a:rPr>
+                        <m:t>=</m:t>
+                      </m:r>
+                      <m:r>
+                        <a:rPr lang="fr-FR" sz="1200" b="0" i="1" smtClean="0">
+                          <a:latin typeface="Cambria Math" panose="02040503050406030204" pitchFamily="18" charset="0"/>
+                        </a:rPr>
+                        <m:t>h</m:t>
+                      </m:r>
+                      <m:acc>
+                        <m:accPr>
+                          <m:chr m:val="⃗"/>
+                          <m:ctrlPr>
+                            <a:rPr lang="fr-FR" sz="1200" i="1" smtClean="0">
+                              <a:latin typeface="Cambria Math" panose="02040503050406030204" pitchFamily="18" charset="0"/>
+                            </a:rPr>
+                          </m:ctrlPr>
+                        </m:accPr>
+                        <m:e>
+                          <m:r>
+                            <a:rPr lang="fr-FR" sz="1200" b="0" i="1" smtClean="0">
+                              <a:latin typeface="Cambria Math" panose="02040503050406030204" pitchFamily="18" charset="0"/>
+                            </a:rPr>
+                            <m:t>𝑦</m:t>
+                          </m:r>
+                        </m:e>
+                      </m:acc>
+                      <m:r>
+                        <a:rPr lang="fr-FR" sz="1200" b="0" i="1" smtClean="0">
+                          <a:latin typeface="Cambria Math" panose="02040503050406030204" pitchFamily="18" charset="0"/>
+                        </a:rPr>
+                        <m:t>−</m:t>
+                      </m:r>
+                      <m:f>
+                        <m:fPr>
+                          <m:ctrlPr>
+                            <a:rPr lang="fr-FR" sz="1200" b="0" i="1" smtClean="0">
+                              <a:latin typeface="Cambria Math" panose="02040503050406030204" pitchFamily="18" charset="0"/>
+                            </a:rPr>
+                          </m:ctrlPr>
+                        </m:fPr>
+                        <m:num>
+                          <m:r>
+                            <a:rPr lang="fr-FR" sz="1200" b="0" i="1" smtClean="0">
+                              <a:latin typeface="Cambria Math" panose="02040503050406030204" pitchFamily="18" charset="0"/>
+                            </a:rPr>
+                            <m:t>𝐷</m:t>
+                          </m:r>
+                        </m:num>
+                        <m:den>
+                          <m:r>
+                            <a:rPr lang="fr-FR" sz="1200" b="0" i="1" smtClean="0">
+                              <a:latin typeface="Cambria Math" panose="02040503050406030204" pitchFamily="18" charset="0"/>
+                            </a:rPr>
+                            <m:t>2</m:t>
+                          </m:r>
+                        </m:den>
+                      </m:f>
+                      <m:acc>
+                        <m:accPr>
+                          <m:chr m:val="⃗"/>
+                          <m:ctrlPr>
+                            <a:rPr lang="fr-FR" sz="1200" i="1">
+                              <a:latin typeface="Cambria Math" panose="02040503050406030204" pitchFamily="18" charset="0"/>
+                            </a:rPr>
+                          </m:ctrlPr>
+                        </m:accPr>
+                        <m:e>
+                          <m:r>
+                            <a:rPr lang="fr-FR" sz="1200" b="0" i="1" smtClean="0">
+                              <a:latin typeface="Cambria Math" panose="02040503050406030204" pitchFamily="18" charset="0"/>
+                            </a:rPr>
+                            <m:t>𝑧</m:t>
+                          </m:r>
+                        </m:e>
+                      </m:acc>
+                    </m:oMath>
+                  </m:oMathPara>
+                </a14:m>
+                <a:endParaRPr lang="fr-FR" sz="1200" dirty="0"/>
+              </a:p>
+            </p:txBody>
+          </p:sp>
+        </mc:Choice>
+        <mc:Fallback>
+          <p:sp>
+            <p:nvSpPr>
+              <p:cNvPr id="118" name="ZoneTexte 117"/>
+              <p:cNvSpPr txBox="1">
+                <a:spLocks noRot="1" noChangeAspect="1" noMove="1" noResize="1" noEditPoints="1" noAdjustHandles="1" noChangeArrowheads="1" noChangeShapeType="1" noTextEdit="1"/>
+              </p:cNvSpPr>
+              <p:nvPr/>
+            </p:nvSpPr>
+            <p:spPr>
+              <a:xfrm>
+                <a:off x="977658" y="3654640"/>
+                <a:ext cx="1009764" cy="344518"/>
+              </a:xfrm>
+              <a:prstGeom prst="rect">
+                <a:avLst/>
+              </a:prstGeom>
+              <a:blipFill>
+                <a:blip r:embed="rId17"/>
+                <a:stretch>
+                  <a:fillRect l="-3012" t="-3571" r="-23494" b="-16071"/>
+                </a:stretch>
+              </a:blipFill>
+            </p:spPr>
+            <p:txBody>
+              <a:bodyPr/>
+              <a:lstStyle/>
+              <a:p>
+                <a:r>
+                  <a:rPr lang="fr-FR">
+                    <a:noFill/>
+                  </a:rPr>
+                  <a:t> </a:t>
+                </a:r>
+              </a:p>
+            </p:txBody>
+          </p:sp>
+        </mc:Fallback>
+      </mc:AlternateContent>
+      <mc:AlternateContent xmlns:mc="http://schemas.openxmlformats.org/markup-compatibility/2006">
+        <mc:Choice xmlns:a14="http://schemas.microsoft.com/office/drawing/2010/main" Requires="a14">
+          <p:sp>
+            <p:nvSpPr>
+              <p:cNvPr id="119" name="ZoneTexte 118"/>
+              <p:cNvSpPr txBox="1"/>
+              <p:nvPr/>
+            </p:nvSpPr>
+            <p:spPr>
+              <a:xfrm>
+                <a:off x="2648394" y="1587354"/>
+                <a:ext cx="97847" cy="184666"/>
+              </a:xfrm>
+              <a:prstGeom prst="rect">
+                <a:avLst/>
+              </a:prstGeom>
+              <a:noFill/>
+            </p:spPr>
+            <p:txBody>
+              <a:bodyPr wrap="none" lIns="0" tIns="0" rIns="0" bIns="0" rtlCol="0">
+                <a:spAutoFit/>
+              </a:bodyPr>
+              <a:lstStyle/>
+              <a:p>
+                <a14:m>
+                  <m:oMathPara xmlns:m="http://schemas.openxmlformats.org/officeDocument/2006/math">
+                    <m:oMathParaPr>
+                      <m:jc m:val="centerGroup"/>
+                    </m:oMathParaPr>
+                    <m:oMath xmlns:m="http://schemas.openxmlformats.org/officeDocument/2006/math">
+                      <m:r>
+                        <a:rPr lang="fr-FR" sz="1200" b="0" i="1" smtClean="0">
+                          <a:latin typeface="Cambria Math" panose="02040503050406030204" pitchFamily="18" charset="0"/>
+                        </a:rPr>
+                        <m:t>𝐼</m:t>
+                      </m:r>
+                    </m:oMath>
+                  </m:oMathPara>
+                </a14:m>
+                <a:endParaRPr lang="fr-FR" sz="1200" dirty="0"/>
+              </a:p>
+            </p:txBody>
+          </p:sp>
+        </mc:Choice>
+        <mc:Fallback>
+          <p:sp>
+            <p:nvSpPr>
+              <p:cNvPr id="119" name="ZoneTexte 118"/>
+              <p:cNvSpPr txBox="1">
+                <a:spLocks noRot="1" noChangeAspect="1" noMove="1" noResize="1" noEditPoints="1" noAdjustHandles="1" noChangeArrowheads="1" noChangeShapeType="1" noTextEdit="1"/>
+              </p:cNvSpPr>
+              <p:nvPr/>
+            </p:nvSpPr>
+            <p:spPr>
+              <a:xfrm>
+                <a:off x="2648394" y="1587354"/>
+                <a:ext cx="97847" cy="184666"/>
+              </a:xfrm>
+              <a:prstGeom prst="rect">
+                <a:avLst/>
+              </a:prstGeom>
+              <a:blipFill>
+                <a:blip r:embed="rId18"/>
+                <a:stretch>
+                  <a:fillRect l="-37500" r="-31250" b="-3226"/>
+                </a:stretch>
+              </a:blipFill>
+            </p:spPr>
+            <p:txBody>
+              <a:bodyPr/>
+              <a:lstStyle/>
+              <a:p>
+                <a:r>
+                  <a:rPr lang="fr-FR">
+                    <a:noFill/>
+                  </a:rPr>
+                  <a:t> </a:t>
+                </a:r>
+              </a:p>
+            </p:txBody>
+          </p:sp>
+        </mc:Fallback>
+      </mc:AlternateContent>
+      <p:cxnSp>
+        <p:nvCxnSpPr>
+          <p:cNvPr id="120" name="Connecteur droit 119"/>
+          <p:cNvCxnSpPr/>
+          <p:nvPr/>
+        </p:nvCxnSpPr>
+        <p:spPr>
+          <a:xfrm flipV="1">
+            <a:off x="2888093" y="1705256"/>
+            <a:ext cx="402569" cy="79279"/>
+          </a:xfrm>
+          <a:prstGeom prst="line">
+            <a:avLst/>
+          </a:prstGeom>
+          <a:solidFill>
+            <a:schemeClr val="accent5">
+              <a:lumMod val="20000"/>
+              <a:lumOff val="80000"/>
+            </a:schemeClr>
+          </a:solidFill>
+          <a:ln w="12700">
+            <a:solidFill>
+              <a:schemeClr val="accent5">
+                <a:lumMod val="50000"/>
+              </a:schemeClr>
+            </a:solidFill>
+            <a:prstDash val="sysDash"/>
+          </a:ln>
+        </p:spPr>
+        <p:style>
+          <a:lnRef idx="2">
+            <a:schemeClr val="accent1">
+              <a:shade val="50000"/>
+            </a:schemeClr>
+          </a:lnRef>
+          <a:fillRef idx="1">
+            <a:schemeClr val="accent1"/>
+          </a:fillRef>
+          <a:effectRef idx="0">
+            <a:schemeClr val="accent1"/>
+          </a:effectRef>
+          <a:fontRef idx="minor">
+            <a:schemeClr val="lt1"/>
+          </a:fontRef>
+        </p:style>
+      </p:cxnSp>
+      <p:cxnSp>
+        <p:nvCxnSpPr>
+          <p:cNvPr id="121" name="Connecteur droit 120"/>
+          <p:cNvCxnSpPr/>
+          <p:nvPr/>
+        </p:nvCxnSpPr>
+        <p:spPr>
+          <a:xfrm flipV="1">
+            <a:off x="2888093" y="1842283"/>
+            <a:ext cx="432798" cy="86268"/>
+          </a:xfrm>
+          <a:prstGeom prst="line">
+            <a:avLst/>
+          </a:prstGeom>
+          <a:solidFill>
+            <a:schemeClr val="accent5">
+              <a:lumMod val="20000"/>
+              <a:lumOff val="80000"/>
+            </a:schemeClr>
+          </a:solidFill>
+          <a:ln w="12700">
+            <a:solidFill>
+              <a:schemeClr val="accent5">
+                <a:lumMod val="50000"/>
+              </a:schemeClr>
+            </a:solidFill>
+            <a:prstDash val="sysDash"/>
+          </a:ln>
+        </p:spPr>
+        <p:style>
+          <a:lnRef idx="2">
+            <a:schemeClr val="accent1">
+              <a:shade val="50000"/>
+            </a:schemeClr>
+          </a:lnRef>
+          <a:fillRef idx="1">
+            <a:schemeClr val="accent1"/>
+          </a:fillRef>
+          <a:effectRef idx="0">
+            <a:schemeClr val="accent1"/>
+          </a:effectRef>
+          <a:fontRef idx="minor">
+            <a:schemeClr val="lt1"/>
+          </a:fontRef>
+        </p:style>
+      </p:cxnSp>
+      <mc:AlternateContent xmlns:mc="http://schemas.openxmlformats.org/markup-compatibility/2006">
+        <mc:Choice xmlns:a14="http://schemas.microsoft.com/office/drawing/2010/main" Requires="a14">
+          <p:sp>
+            <p:nvSpPr>
+              <p:cNvPr id="123" name="ZoneTexte 122"/>
+              <p:cNvSpPr txBox="1"/>
+              <p:nvPr/>
+            </p:nvSpPr>
+            <p:spPr>
+              <a:xfrm>
+                <a:off x="2984176" y="1562541"/>
+                <a:ext cx="155555" cy="184666"/>
+              </a:xfrm>
+              <a:prstGeom prst="rect">
+                <a:avLst/>
+              </a:prstGeom>
+              <a:noFill/>
+            </p:spPr>
+            <p:txBody>
+              <a:bodyPr wrap="none" lIns="0" tIns="0" rIns="0" bIns="0" rtlCol="0">
+                <a:spAutoFit/>
+              </a:bodyPr>
+              <a:lstStyle/>
+              <a:p>
+                <a14:m>
+                  <m:oMathPara xmlns:m="http://schemas.openxmlformats.org/officeDocument/2006/math">
+                    <m:oMathParaPr>
+                      <m:jc m:val="centerGroup"/>
+                    </m:oMathParaPr>
+                    <m:oMath xmlns:m="http://schemas.openxmlformats.org/officeDocument/2006/math">
+                      <m:r>
+                        <a:rPr lang="fr-FR" sz="1200" b="0" i="1" smtClean="0">
+                          <a:latin typeface="Cambria Math" panose="02040503050406030204" pitchFamily="18" charset="0"/>
+                        </a:rPr>
+                        <m:t>𝐼𝐼</m:t>
+                      </m:r>
+                    </m:oMath>
+                  </m:oMathPara>
+                </a14:m>
+                <a:endParaRPr lang="fr-FR" sz="1200" dirty="0"/>
+              </a:p>
+            </p:txBody>
+          </p:sp>
+        </mc:Choice>
+        <mc:Fallback>
+          <p:sp>
+            <p:nvSpPr>
+              <p:cNvPr id="123" name="ZoneTexte 122"/>
+              <p:cNvSpPr txBox="1">
+                <a:spLocks noRot="1" noChangeAspect="1" noMove="1" noResize="1" noEditPoints="1" noAdjustHandles="1" noChangeArrowheads="1" noChangeShapeType="1" noTextEdit="1"/>
+              </p:cNvSpPr>
+              <p:nvPr/>
+            </p:nvSpPr>
+            <p:spPr>
+              <a:xfrm>
+                <a:off x="2984176" y="1562541"/>
+                <a:ext cx="155555" cy="184666"/>
+              </a:xfrm>
+              <a:prstGeom prst="rect">
+                <a:avLst/>
+              </a:prstGeom>
+              <a:blipFill>
+                <a:blip r:embed="rId19"/>
+                <a:stretch>
+                  <a:fillRect l="-24000" r="-20000" b="-3226"/>
+                </a:stretch>
+              </a:blipFill>
+            </p:spPr>
+            <p:txBody>
+              <a:bodyPr/>
+              <a:lstStyle/>
+              <a:p>
+                <a:r>
+                  <a:rPr lang="fr-FR">
+                    <a:noFill/>
+                  </a:rPr>
+                  <a:t> </a:t>
+                </a:r>
+              </a:p>
+            </p:txBody>
+          </p:sp>
+        </mc:Fallback>
+      </mc:AlternateContent>
     </p:spTree>
     <p:extLst>
       <p:ext uri="{BB962C8B-B14F-4D97-AF65-F5344CB8AC3E}">
